--- a/03-tutorial/ddd/README.pptx
+++ b/03-tutorial/ddd/README.pptx
@@ -6,11 +6,12 @@
   </p:sldMasterIdLst>
   <p:sldIdLst>
     <p:sldId id="265" r:id="rId2"/>
-    <p:sldId id="263" r:id="rId3"/>
-    <p:sldId id="266" r:id="rId4"/>
-    <p:sldId id="258" r:id="rId5"/>
-    <p:sldId id="261" r:id="rId6"/>
-    <p:sldId id="262" r:id="rId7"/>
+    <p:sldId id="267" r:id="rId3"/>
+    <p:sldId id="263" r:id="rId4"/>
+    <p:sldId id="266" r:id="rId5"/>
+    <p:sldId id="258" r:id="rId6"/>
+    <p:sldId id="261" r:id="rId7"/>
+    <p:sldId id="262" r:id="rId8"/>
   </p:sldIdLst>
   <p:sldSz cx="12192000" cy="6858000"/>
   <p:notesSz cx="6807200" cy="9939338"/>
@@ -115,6 +116,7 @@
         <p14:section name="기본 구역" id="{77D97E54-755E-48DB-B5EC-2F885DA16F61}">
           <p14:sldIdLst>
             <p14:sldId id="265"/>
+            <p14:sldId id="267"/>
             <p14:sldId id="263"/>
             <p14:sldId id="266"/>
           </p14:sldIdLst>
@@ -264,7 +266,7 @@
           <a:p>
             <a:fld id="{7C942374-54D0-46CC-9FD3-64DEB9F3020F}" type="datetimeFigureOut">
               <a:rPr lang="ko-KR" altLang="en-US" smtClean="0"/>
-              <a:t>2025-03-04</a:t>
+              <a:t>2025-03-07</a:t>
             </a:fld>
             <a:endParaRPr lang="ko-KR" altLang="en-US"/>
           </a:p>
@@ -432,7 +434,7 @@
           <a:p>
             <a:fld id="{7C942374-54D0-46CC-9FD3-64DEB9F3020F}" type="datetimeFigureOut">
               <a:rPr lang="ko-KR" altLang="en-US" smtClean="0"/>
-              <a:t>2025-03-04</a:t>
+              <a:t>2025-03-07</a:t>
             </a:fld>
             <a:endParaRPr lang="ko-KR" altLang="en-US"/>
           </a:p>
@@ -610,7 +612,7 @@
           <a:p>
             <a:fld id="{7C942374-54D0-46CC-9FD3-64DEB9F3020F}" type="datetimeFigureOut">
               <a:rPr lang="ko-KR" altLang="en-US" smtClean="0"/>
-              <a:t>2025-03-04</a:t>
+              <a:t>2025-03-07</a:t>
             </a:fld>
             <a:endParaRPr lang="ko-KR" altLang="en-US"/>
           </a:p>
@@ -778,7 +780,7 @@
           <a:p>
             <a:fld id="{7C942374-54D0-46CC-9FD3-64DEB9F3020F}" type="datetimeFigureOut">
               <a:rPr lang="ko-KR" altLang="en-US" smtClean="0"/>
-              <a:t>2025-03-04</a:t>
+              <a:t>2025-03-07</a:t>
             </a:fld>
             <a:endParaRPr lang="ko-KR" altLang="en-US"/>
           </a:p>
@@ -1023,7 +1025,7 @@
           <a:p>
             <a:fld id="{7C942374-54D0-46CC-9FD3-64DEB9F3020F}" type="datetimeFigureOut">
               <a:rPr lang="ko-KR" altLang="en-US" smtClean="0"/>
-              <a:t>2025-03-04</a:t>
+              <a:t>2025-03-07</a:t>
             </a:fld>
             <a:endParaRPr lang="ko-KR" altLang="en-US"/>
           </a:p>
@@ -1252,7 +1254,7 @@
           <a:p>
             <a:fld id="{7C942374-54D0-46CC-9FD3-64DEB9F3020F}" type="datetimeFigureOut">
               <a:rPr lang="ko-KR" altLang="en-US" smtClean="0"/>
-              <a:t>2025-03-04</a:t>
+              <a:t>2025-03-07</a:t>
             </a:fld>
             <a:endParaRPr lang="ko-KR" altLang="en-US"/>
           </a:p>
@@ -1616,7 +1618,7 @@
           <a:p>
             <a:fld id="{7C942374-54D0-46CC-9FD3-64DEB9F3020F}" type="datetimeFigureOut">
               <a:rPr lang="ko-KR" altLang="en-US" smtClean="0"/>
-              <a:t>2025-03-04</a:t>
+              <a:t>2025-03-07</a:t>
             </a:fld>
             <a:endParaRPr lang="ko-KR" altLang="en-US"/>
           </a:p>
@@ -1733,7 +1735,7 @@
           <a:p>
             <a:fld id="{7C942374-54D0-46CC-9FD3-64DEB9F3020F}" type="datetimeFigureOut">
               <a:rPr lang="ko-KR" altLang="en-US" smtClean="0"/>
-              <a:t>2025-03-04</a:t>
+              <a:t>2025-03-07</a:t>
             </a:fld>
             <a:endParaRPr lang="ko-KR" altLang="en-US"/>
           </a:p>
@@ -1828,7 +1830,7 @@
           <a:p>
             <a:fld id="{7C942374-54D0-46CC-9FD3-64DEB9F3020F}" type="datetimeFigureOut">
               <a:rPr lang="ko-KR" altLang="en-US" smtClean="0"/>
-              <a:t>2025-03-04</a:t>
+              <a:t>2025-03-07</a:t>
             </a:fld>
             <a:endParaRPr lang="ko-KR" altLang="en-US"/>
           </a:p>
@@ -2103,7 +2105,7 @@
           <a:p>
             <a:fld id="{7C942374-54D0-46CC-9FD3-64DEB9F3020F}" type="datetimeFigureOut">
               <a:rPr lang="ko-KR" altLang="en-US" smtClean="0"/>
-              <a:t>2025-03-04</a:t>
+              <a:t>2025-03-07</a:t>
             </a:fld>
             <a:endParaRPr lang="ko-KR" altLang="en-US"/>
           </a:p>
@@ -2355,7 +2357,7 @@
           <a:p>
             <a:fld id="{7C942374-54D0-46CC-9FD3-64DEB9F3020F}" type="datetimeFigureOut">
               <a:rPr lang="ko-KR" altLang="en-US" smtClean="0"/>
-              <a:t>2025-03-04</a:t>
+              <a:t>2025-03-07</a:t>
             </a:fld>
             <a:endParaRPr lang="ko-KR" altLang="en-US"/>
           </a:p>
@@ -2566,7 +2568,7 @@
           <a:p>
             <a:fld id="{7C942374-54D0-46CC-9FD3-64DEB9F3020F}" type="datetimeFigureOut">
               <a:rPr lang="ko-KR" altLang="en-US" smtClean="0"/>
-              <a:t>2025-03-04</a:t>
+              <a:t>2025-03-07</a:t>
             </a:fld>
             <a:endParaRPr lang="ko-KR" altLang="en-US"/>
           </a:p>
@@ -2971,283 +2973,1101 @@
           <a:chExt cx="0" cy="0"/>
         </a:xfrm>
       </p:grpSpPr>
+      <p:pic>
+        <p:nvPicPr>
+          <p:cNvPr id="7" name="그림 6">
+            <a:extLst>
+              <a:ext uri="{FF2B5EF4-FFF2-40B4-BE49-F238E27FC236}">
+                <a16:creationId xmlns:a16="http://schemas.microsoft.com/office/drawing/2014/main" id="{D2A7AB12-7F35-61A6-504A-F50EF9B95A81}"/>
+              </a:ext>
+            </a:extLst>
+          </p:cNvPr>
+          <p:cNvPicPr>
+            <a:picLocks noChangeAspect="1"/>
+          </p:cNvPicPr>
+          <p:nvPr/>
+        </p:nvPicPr>
+        <p:blipFill>
+          <a:blip r:embed="rId2"/>
+          <a:stretch>
+            <a:fillRect/>
+          </a:stretch>
+        </p:blipFill>
+        <p:spPr>
+          <a:xfrm>
+            <a:off x="6566299" y="417939"/>
+            <a:ext cx="3349784" cy="6440061"/>
+          </a:xfrm>
+          <a:prstGeom prst="rect">
+            <a:avLst/>
+          </a:prstGeom>
+        </p:spPr>
+      </p:pic>
+      <p:sp>
+        <p:nvSpPr>
+          <p:cNvPr id="30" name="직사각형 29">
+            <a:extLst>
+              <a:ext uri="{FF2B5EF4-FFF2-40B4-BE49-F238E27FC236}">
+                <a16:creationId xmlns:a16="http://schemas.microsoft.com/office/drawing/2014/main" id="{55ED66F5-1478-EFE2-D13E-60C1DCAADACC}"/>
+              </a:ext>
+            </a:extLst>
+          </p:cNvPr>
+          <p:cNvSpPr/>
+          <p:nvPr/>
+        </p:nvSpPr>
+        <p:spPr>
+          <a:xfrm>
+            <a:off x="7013746" y="1113746"/>
+            <a:ext cx="2952377" cy="894920"/>
+          </a:xfrm>
+          <a:prstGeom prst="rect">
+            <a:avLst/>
+          </a:prstGeom>
+          <a:noFill/>
+          <a:ln w="9525">
+            <a:solidFill>
+              <a:srgbClr val="C00000"/>
+            </a:solidFill>
+            <a:prstDash val="dash"/>
+          </a:ln>
+        </p:spPr>
+        <p:style>
+          <a:lnRef idx="2">
+            <a:schemeClr val="accent1">
+              <a:shade val="15000"/>
+            </a:schemeClr>
+          </a:lnRef>
+          <a:fillRef idx="1">
+            <a:schemeClr val="accent1"/>
+          </a:fillRef>
+          <a:effectRef idx="0">
+            <a:schemeClr val="accent1"/>
+          </a:effectRef>
+          <a:fontRef idx="minor">
+            <a:schemeClr val="lt1"/>
+          </a:fontRef>
+        </p:style>
+        <p:txBody>
+          <a:bodyPr rtlCol="0" anchor="ctr"/>
+          <a:lstStyle/>
+          <a:p>
+            <a:pPr algn="ctr"/>
+            <a:endParaRPr lang="en-GB"/>
+          </a:p>
+        </p:txBody>
+      </p:sp>
+      <p:cxnSp>
+        <p:nvCxnSpPr>
+          <p:cNvPr id="31" name="직선 연결선 30">
+            <a:extLst>
+              <a:ext uri="{FF2B5EF4-FFF2-40B4-BE49-F238E27FC236}">
+                <a16:creationId xmlns:a16="http://schemas.microsoft.com/office/drawing/2014/main" id="{F3BE8123-4994-926A-BEBD-D4FCEE053DF5}"/>
+              </a:ext>
+            </a:extLst>
+          </p:cNvPr>
+          <p:cNvCxnSpPr>
+            <a:cxnSpLocks/>
+          </p:cNvCxnSpPr>
+          <p:nvPr/>
+        </p:nvCxnSpPr>
+        <p:spPr>
+          <a:xfrm>
+            <a:off x="7389212" y="5415608"/>
+            <a:ext cx="0" cy="968585"/>
+          </a:xfrm>
+          <a:prstGeom prst="line">
+            <a:avLst/>
+          </a:prstGeom>
+          <a:ln w="28575">
+            <a:solidFill>
+              <a:srgbClr val="C00000"/>
+            </a:solidFill>
+          </a:ln>
+        </p:spPr>
+        <p:style>
+          <a:lnRef idx="1">
+            <a:schemeClr val="accent1"/>
+          </a:lnRef>
+          <a:fillRef idx="0">
+            <a:schemeClr val="accent1"/>
+          </a:fillRef>
+          <a:effectRef idx="0">
+            <a:schemeClr val="accent1"/>
+          </a:effectRef>
+          <a:fontRef idx="minor">
+            <a:schemeClr val="tx1"/>
+          </a:fontRef>
+        </p:style>
+      </p:cxnSp>
+      <p:pic>
+        <p:nvPicPr>
+          <p:cNvPr id="34" name="그림 33">
+            <a:extLst>
+              <a:ext uri="{FF2B5EF4-FFF2-40B4-BE49-F238E27FC236}">
+                <a16:creationId xmlns:a16="http://schemas.microsoft.com/office/drawing/2014/main" id="{76BFD087-1464-697E-3C36-8578E74FE30C}"/>
+              </a:ext>
+            </a:extLst>
+          </p:cNvPr>
+          <p:cNvPicPr>
+            <a:picLocks noChangeAspect="1"/>
+          </p:cNvPicPr>
+          <p:nvPr/>
+        </p:nvPicPr>
+        <p:blipFill>
+          <a:blip r:embed="rId3"/>
+          <a:stretch>
+            <a:fillRect/>
+          </a:stretch>
+        </p:blipFill>
+        <p:spPr>
+          <a:xfrm>
+            <a:off x="9139393" y="4058299"/>
+            <a:ext cx="2898994" cy="2597499"/>
+          </a:xfrm>
+          <a:prstGeom prst="rect">
+            <a:avLst/>
+          </a:prstGeom>
+          <a:ln>
+            <a:solidFill>
+              <a:srgbClr val="C00000"/>
+            </a:solidFill>
+          </a:ln>
+        </p:spPr>
+      </p:pic>
+      <p:cxnSp>
+        <p:nvCxnSpPr>
+          <p:cNvPr id="42" name="연결선: 꺾임 41">
+            <a:extLst>
+              <a:ext uri="{FF2B5EF4-FFF2-40B4-BE49-F238E27FC236}">
+                <a16:creationId xmlns:a16="http://schemas.microsoft.com/office/drawing/2014/main" id="{74F507FB-9E49-E4EE-ED10-DCDC4C41B089}"/>
+              </a:ext>
+            </a:extLst>
+          </p:cNvPr>
+          <p:cNvCxnSpPr>
+            <a:cxnSpLocks/>
+            <a:stCxn id="44" idx="2"/>
+            <a:endCxn id="49" idx="1"/>
+          </p:cNvCxnSpPr>
+          <p:nvPr/>
+        </p:nvCxnSpPr>
+        <p:spPr>
+          <a:xfrm rot="16200000" flipH="1">
+            <a:off x="5323638" y="3834325"/>
+            <a:ext cx="146595" cy="3984554"/>
+          </a:xfrm>
+          <a:prstGeom prst="bentConnector2">
+            <a:avLst/>
+          </a:prstGeom>
+          <a:ln w="19050">
+            <a:solidFill>
+              <a:srgbClr val="C00000"/>
+            </a:solidFill>
+            <a:tailEnd type="triangle"/>
+          </a:ln>
+        </p:spPr>
+        <p:style>
+          <a:lnRef idx="1">
+            <a:schemeClr val="accent1"/>
+          </a:lnRef>
+          <a:fillRef idx="0">
+            <a:schemeClr val="accent1"/>
+          </a:fillRef>
+          <a:effectRef idx="0">
+            <a:schemeClr val="accent1"/>
+          </a:effectRef>
+          <a:fontRef idx="minor">
+            <a:schemeClr val="tx1"/>
+          </a:fontRef>
+        </p:style>
+      </p:cxnSp>
+      <p:sp>
+        <p:nvSpPr>
+          <p:cNvPr id="49" name="직사각형 48">
+            <a:extLst>
+              <a:ext uri="{FF2B5EF4-FFF2-40B4-BE49-F238E27FC236}">
+                <a16:creationId xmlns:a16="http://schemas.microsoft.com/office/drawing/2014/main" id="{F07CCA64-B34C-9731-7082-801539A20B90}"/>
+              </a:ext>
+            </a:extLst>
+          </p:cNvPr>
+          <p:cNvSpPr/>
+          <p:nvPr/>
+        </p:nvSpPr>
+        <p:spPr>
+          <a:xfrm>
+            <a:off x="7389212" y="5592747"/>
+            <a:ext cx="296920" cy="614306"/>
+          </a:xfrm>
+          <a:prstGeom prst="rect">
+            <a:avLst/>
+          </a:prstGeom>
+          <a:noFill/>
+          <a:ln>
+            <a:noFill/>
+          </a:ln>
+        </p:spPr>
+        <p:style>
+          <a:lnRef idx="2">
+            <a:schemeClr val="accent1">
+              <a:shade val="15000"/>
+            </a:schemeClr>
+          </a:lnRef>
+          <a:fillRef idx="1">
+            <a:schemeClr val="accent1"/>
+          </a:fillRef>
+          <a:effectRef idx="0">
+            <a:schemeClr val="accent1"/>
+          </a:effectRef>
+          <a:fontRef idx="minor">
+            <a:schemeClr val="lt1"/>
+          </a:fontRef>
+        </p:style>
+        <p:txBody>
+          <a:bodyPr rtlCol="0" anchor="ctr"/>
+          <a:lstStyle/>
+          <a:p>
+            <a:pPr algn="ctr"/>
+            <a:endParaRPr lang="en-GB"/>
+          </a:p>
+        </p:txBody>
+      </p:sp>
+      <p:sp>
+        <p:nvSpPr>
+          <p:cNvPr id="54" name="TextBox 53">
+            <a:extLst>
+              <a:ext uri="{FF2B5EF4-FFF2-40B4-BE49-F238E27FC236}">
+                <a16:creationId xmlns:a16="http://schemas.microsoft.com/office/drawing/2014/main" id="{968600CA-6562-FDDF-0699-E17F13B97103}"/>
+              </a:ext>
+            </a:extLst>
+          </p:cNvPr>
+          <p:cNvSpPr txBox="1"/>
+          <p:nvPr/>
+        </p:nvSpPr>
+        <p:spPr>
+          <a:xfrm>
+            <a:off x="8912771" y="1072511"/>
+            <a:ext cx="1558440" cy="369332"/>
+          </a:xfrm>
+          <a:prstGeom prst="rect">
+            <a:avLst/>
+          </a:prstGeom>
+          <a:noFill/>
+        </p:spPr>
+        <p:txBody>
+          <a:bodyPr wrap="none" rtlCol="0">
+            <a:spAutoFit/>
+          </a:bodyPr>
+          <a:lstStyle/>
+          <a:p>
+            <a:r>
+              <a:rPr lang="en-GB" b="1">
+                <a:solidFill>
+                  <a:srgbClr val="C00000"/>
+                </a:solidFill>
+              </a:rPr>
+              <a:t>Abstractions</a:t>
+            </a:r>
+          </a:p>
+        </p:txBody>
+      </p:sp>
+      <p:pic>
+        <p:nvPicPr>
+          <p:cNvPr id="2" name="그림 1"/>
+          <p:cNvPicPr>
+            <a:picLocks noChangeAspect="1"/>
+          </p:cNvPicPr>
+          <p:nvPr/>
+        </p:nvPicPr>
+        <p:blipFill>
+          <a:blip r:embed="rId4"/>
+          <a:stretch>
+            <a:fillRect/>
+          </a:stretch>
+        </p:blipFill>
+        <p:spPr>
+          <a:xfrm>
+            <a:off x="3020438" y="417939"/>
+            <a:ext cx="3376863" cy="5570417"/>
+          </a:xfrm>
+          <a:prstGeom prst="rect">
+            <a:avLst/>
+          </a:prstGeom>
+        </p:spPr>
+      </p:pic>
+      <p:pic>
+        <p:nvPicPr>
+          <p:cNvPr id="8" name="그림 7">
+            <a:extLst>
+              <a:ext uri="{FF2B5EF4-FFF2-40B4-BE49-F238E27FC236}">
+                <a16:creationId xmlns:a16="http://schemas.microsoft.com/office/drawing/2014/main" id="{D95B96F7-5DE9-CCE7-29CD-A15F2AF14744}"/>
+              </a:ext>
+            </a:extLst>
+          </p:cNvPr>
+          <p:cNvPicPr>
+            <a:picLocks noChangeAspect="1"/>
+          </p:cNvPicPr>
+          <p:nvPr/>
+        </p:nvPicPr>
+        <p:blipFill>
+          <a:blip r:embed="rId5"/>
+          <a:stretch>
+            <a:fillRect/>
+          </a:stretch>
+        </p:blipFill>
+        <p:spPr>
+          <a:xfrm>
+            <a:off x="103574" y="417939"/>
+            <a:ext cx="2496365" cy="3597674"/>
+          </a:xfrm>
+          <a:prstGeom prst="rect">
+            <a:avLst/>
+          </a:prstGeom>
+        </p:spPr>
+      </p:pic>
+      <p:sp>
+        <p:nvSpPr>
+          <p:cNvPr id="15" name="직사각형 14">
+            <a:extLst>
+              <a:ext uri="{FF2B5EF4-FFF2-40B4-BE49-F238E27FC236}">
+                <a16:creationId xmlns:a16="http://schemas.microsoft.com/office/drawing/2014/main" id="{44A00350-2EED-1207-B975-A1B249C9C2CE}"/>
+              </a:ext>
+            </a:extLst>
+          </p:cNvPr>
+          <p:cNvSpPr/>
+          <p:nvPr/>
+        </p:nvSpPr>
+        <p:spPr>
+          <a:xfrm>
+            <a:off x="311511" y="3143317"/>
+            <a:ext cx="1994594" cy="163218"/>
+          </a:xfrm>
+          <a:prstGeom prst="rect">
+            <a:avLst/>
+          </a:prstGeom>
+          <a:noFill/>
+          <a:ln w="9525">
+            <a:solidFill>
+              <a:srgbClr val="C00000"/>
+            </a:solidFill>
+            <a:prstDash val="dash"/>
+          </a:ln>
+        </p:spPr>
+        <p:style>
+          <a:lnRef idx="2">
+            <a:schemeClr val="accent1">
+              <a:shade val="15000"/>
+            </a:schemeClr>
+          </a:lnRef>
+          <a:fillRef idx="1">
+            <a:schemeClr val="accent1"/>
+          </a:fillRef>
+          <a:effectRef idx="0">
+            <a:schemeClr val="accent1"/>
+          </a:effectRef>
+          <a:fontRef idx="minor">
+            <a:schemeClr val="lt1"/>
+          </a:fontRef>
+        </p:style>
+        <p:txBody>
+          <a:bodyPr rtlCol="0" anchor="ctr"/>
+          <a:lstStyle/>
+          <a:p>
+            <a:pPr algn="ctr"/>
+            <a:endParaRPr lang="en-GB"/>
+          </a:p>
+        </p:txBody>
+      </p:sp>
+      <p:sp>
+        <p:nvSpPr>
+          <p:cNvPr id="16" name="직사각형 15">
+            <a:extLst>
+              <a:ext uri="{FF2B5EF4-FFF2-40B4-BE49-F238E27FC236}">
+                <a16:creationId xmlns:a16="http://schemas.microsoft.com/office/drawing/2014/main" id="{0D27BA77-0988-DFA7-2B8B-4CA6CD9258DE}"/>
+              </a:ext>
+            </a:extLst>
+          </p:cNvPr>
+          <p:cNvSpPr/>
+          <p:nvPr/>
+        </p:nvSpPr>
+        <p:spPr>
+          <a:xfrm>
+            <a:off x="311511" y="2026974"/>
+            <a:ext cx="1994594" cy="163218"/>
+          </a:xfrm>
+          <a:prstGeom prst="rect">
+            <a:avLst/>
+          </a:prstGeom>
+          <a:noFill/>
+          <a:ln w="9525">
+            <a:solidFill>
+              <a:srgbClr val="C00000"/>
+            </a:solidFill>
+            <a:prstDash val="dash"/>
+          </a:ln>
+        </p:spPr>
+        <p:style>
+          <a:lnRef idx="2">
+            <a:schemeClr val="accent1">
+              <a:shade val="15000"/>
+            </a:schemeClr>
+          </a:lnRef>
+          <a:fillRef idx="1">
+            <a:schemeClr val="accent1"/>
+          </a:fillRef>
+          <a:effectRef idx="0">
+            <a:schemeClr val="accent1"/>
+          </a:effectRef>
+          <a:fontRef idx="minor">
+            <a:schemeClr val="lt1"/>
+          </a:fontRef>
+        </p:style>
+        <p:txBody>
+          <a:bodyPr rtlCol="0" anchor="ctr"/>
+          <a:lstStyle/>
+          <a:p>
+            <a:pPr algn="ctr"/>
+            <a:endParaRPr lang="en-GB"/>
+          </a:p>
+        </p:txBody>
+      </p:sp>
+      <p:sp>
+        <p:nvSpPr>
+          <p:cNvPr id="17" name="직사각형 16">
+            <a:extLst>
+              <a:ext uri="{FF2B5EF4-FFF2-40B4-BE49-F238E27FC236}">
+                <a16:creationId xmlns:a16="http://schemas.microsoft.com/office/drawing/2014/main" id="{47E35CB8-DB93-0F6A-3BFF-29C6417B32FB}"/>
+              </a:ext>
+            </a:extLst>
+          </p:cNvPr>
+          <p:cNvSpPr/>
+          <p:nvPr/>
+        </p:nvSpPr>
+        <p:spPr>
+          <a:xfrm>
+            <a:off x="3352245" y="782990"/>
+            <a:ext cx="2179910" cy="844246"/>
+          </a:xfrm>
+          <a:prstGeom prst="rect">
+            <a:avLst/>
+          </a:prstGeom>
+          <a:noFill/>
+          <a:ln w="9525">
+            <a:solidFill>
+              <a:srgbClr val="C00000"/>
+            </a:solidFill>
+            <a:prstDash val="dash"/>
+          </a:ln>
+        </p:spPr>
+        <p:style>
+          <a:lnRef idx="2">
+            <a:schemeClr val="accent1">
+              <a:shade val="15000"/>
+            </a:schemeClr>
+          </a:lnRef>
+          <a:fillRef idx="1">
+            <a:schemeClr val="accent1"/>
+          </a:fillRef>
+          <a:effectRef idx="0">
+            <a:schemeClr val="accent1"/>
+          </a:effectRef>
+          <a:fontRef idx="minor">
+            <a:schemeClr val="lt1"/>
+          </a:fontRef>
+        </p:style>
+        <p:txBody>
+          <a:bodyPr rtlCol="0" anchor="ctr"/>
+          <a:lstStyle/>
+          <a:p>
+            <a:pPr algn="ctr"/>
+            <a:endParaRPr lang="en-GB"/>
+          </a:p>
+        </p:txBody>
+      </p:sp>
+      <p:cxnSp>
+        <p:nvCxnSpPr>
+          <p:cNvPr id="18" name="직선 연결선 17">
+            <a:extLst>
+              <a:ext uri="{FF2B5EF4-FFF2-40B4-BE49-F238E27FC236}">
+                <a16:creationId xmlns:a16="http://schemas.microsoft.com/office/drawing/2014/main" id="{DF0B02D2-5A7A-F6A2-C0AC-5A07E3886225}"/>
+              </a:ext>
+            </a:extLst>
+          </p:cNvPr>
+          <p:cNvCxnSpPr>
+            <a:cxnSpLocks/>
+          </p:cNvCxnSpPr>
+          <p:nvPr/>
+        </p:nvCxnSpPr>
+        <p:spPr>
+          <a:xfrm>
+            <a:off x="1677826" y="843415"/>
+            <a:ext cx="0" cy="246184"/>
+          </a:xfrm>
+          <a:prstGeom prst="line">
+            <a:avLst/>
+          </a:prstGeom>
+          <a:ln w="28575">
+            <a:solidFill>
+              <a:srgbClr val="C00000"/>
+            </a:solidFill>
+          </a:ln>
+        </p:spPr>
+        <p:style>
+          <a:lnRef idx="1">
+            <a:schemeClr val="accent1"/>
+          </a:lnRef>
+          <a:fillRef idx="0">
+            <a:schemeClr val="accent1"/>
+          </a:fillRef>
+          <a:effectRef idx="0">
+            <a:schemeClr val="accent1"/>
+          </a:effectRef>
+          <a:fontRef idx="minor">
+            <a:schemeClr val="tx1"/>
+          </a:fontRef>
+        </p:style>
+      </p:cxnSp>
+      <p:cxnSp>
+        <p:nvCxnSpPr>
+          <p:cNvPr id="19" name="직선 연결선 18">
+            <a:extLst>
+              <a:ext uri="{FF2B5EF4-FFF2-40B4-BE49-F238E27FC236}">
+                <a16:creationId xmlns:a16="http://schemas.microsoft.com/office/drawing/2014/main" id="{8A292E93-B87A-394D-8A2D-88BB0751ACE5}"/>
+              </a:ext>
+            </a:extLst>
+          </p:cNvPr>
+          <p:cNvCxnSpPr>
+            <a:cxnSpLocks/>
+          </p:cNvCxnSpPr>
+          <p:nvPr/>
+        </p:nvCxnSpPr>
+        <p:spPr>
+          <a:xfrm>
+            <a:off x="1985007" y="1372051"/>
+            <a:ext cx="0" cy="246184"/>
+          </a:xfrm>
+          <a:prstGeom prst="line">
+            <a:avLst/>
+          </a:prstGeom>
+          <a:ln w="28575">
+            <a:solidFill>
+              <a:srgbClr val="C00000"/>
+            </a:solidFill>
+          </a:ln>
+        </p:spPr>
+        <p:style>
+          <a:lnRef idx="1">
+            <a:schemeClr val="accent1"/>
+          </a:lnRef>
+          <a:fillRef idx="0">
+            <a:schemeClr val="accent1"/>
+          </a:fillRef>
+          <a:effectRef idx="0">
+            <a:schemeClr val="accent1"/>
+          </a:effectRef>
+          <a:fontRef idx="minor">
+            <a:schemeClr val="tx1"/>
+          </a:fontRef>
+        </p:style>
+      </p:cxnSp>
+      <p:cxnSp>
+        <p:nvCxnSpPr>
+          <p:cNvPr id="20" name="직선 연결선 19">
+            <a:extLst>
+              <a:ext uri="{FF2B5EF4-FFF2-40B4-BE49-F238E27FC236}">
+                <a16:creationId xmlns:a16="http://schemas.microsoft.com/office/drawing/2014/main" id="{F742C95F-18A5-7283-63BC-679B0AEE841E}"/>
+              </a:ext>
+            </a:extLst>
+          </p:cNvPr>
+          <p:cNvCxnSpPr>
+            <a:cxnSpLocks/>
+          </p:cNvCxnSpPr>
+          <p:nvPr/>
+        </p:nvCxnSpPr>
+        <p:spPr>
+          <a:xfrm>
+            <a:off x="1749263" y="1724476"/>
+            <a:ext cx="0" cy="246184"/>
+          </a:xfrm>
+          <a:prstGeom prst="line">
+            <a:avLst/>
+          </a:prstGeom>
+          <a:ln w="28575">
+            <a:solidFill>
+              <a:srgbClr val="C00000"/>
+            </a:solidFill>
+          </a:ln>
+        </p:spPr>
+        <p:style>
+          <a:lnRef idx="1">
+            <a:schemeClr val="accent1"/>
+          </a:lnRef>
+          <a:fillRef idx="0">
+            <a:schemeClr val="accent1"/>
+          </a:fillRef>
+          <a:effectRef idx="0">
+            <a:schemeClr val="accent1"/>
+          </a:effectRef>
+          <a:fontRef idx="minor">
+            <a:schemeClr val="tx1"/>
+          </a:fontRef>
+        </p:style>
+      </p:cxnSp>
+      <p:cxnSp>
+        <p:nvCxnSpPr>
+          <p:cNvPr id="21" name="직선 연결선 20">
+            <a:extLst>
+              <a:ext uri="{FF2B5EF4-FFF2-40B4-BE49-F238E27FC236}">
+                <a16:creationId xmlns:a16="http://schemas.microsoft.com/office/drawing/2014/main" id="{A6ECB332-533F-48E5-6326-D3E9320AB113}"/>
+              </a:ext>
+            </a:extLst>
+          </p:cNvPr>
+          <p:cNvCxnSpPr>
+            <a:cxnSpLocks/>
+          </p:cNvCxnSpPr>
+          <p:nvPr/>
+        </p:nvCxnSpPr>
+        <p:spPr>
+          <a:xfrm>
+            <a:off x="1808793" y="2260258"/>
+            <a:ext cx="0" cy="246184"/>
+          </a:xfrm>
+          <a:prstGeom prst="line">
+            <a:avLst/>
+          </a:prstGeom>
+          <a:ln w="28575">
+            <a:solidFill>
+              <a:srgbClr val="C00000"/>
+            </a:solidFill>
+          </a:ln>
+        </p:spPr>
+        <p:style>
+          <a:lnRef idx="1">
+            <a:schemeClr val="accent1"/>
+          </a:lnRef>
+          <a:fillRef idx="0">
+            <a:schemeClr val="accent1"/>
+          </a:fillRef>
+          <a:effectRef idx="0">
+            <a:schemeClr val="accent1"/>
+          </a:effectRef>
+          <a:fontRef idx="minor">
+            <a:schemeClr val="tx1"/>
+          </a:fontRef>
+        </p:style>
+      </p:cxnSp>
+      <p:cxnSp>
+        <p:nvCxnSpPr>
+          <p:cNvPr id="22" name="직선 연결선 21">
+            <a:extLst>
+              <a:ext uri="{FF2B5EF4-FFF2-40B4-BE49-F238E27FC236}">
+                <a16:creationId xmlns:a16="http://schemas.microsoft.com/office/drawing/2014/main" id="{1B998782-92A1-07A0-6EE9-D793B1868EA4}"/>
+              </a:ext>
+            </a:extLst>
+          </p:cNvPr>
+          <p:cNvCxnSpPr>
+            <a:cxnSpLocks/>
+          </p:cNvCxnSpPr>
+          <p:nvPr/>
+        </p:nvCxnSpPr>
+        <p:spPr>
+          <a:xfrm>
+            <a:off x="2132643" y="2607920"/>
+            <a:ext cx="0" cy="440002"/>
+          </a:xfrm>
+          <a:prstGeom prst="line">
+            <a:avLst/>
+          </a:prstGeom>
+          <a:ln w="28575">
+            <a:solidFill>
+              <a:srgbClr val="C00000"/>
+            </a:solidFill>
+          </a:ln>
+        </p:spPr>
+        <p:style>
+          <a:lnRef idx="1">
+            <a:schemeClr val="accent1"/>
+          </a:lnRef>
+          <a:fillRef idx="0">
+            <a:schemeClr val="accent1"/>
+          </a:fillRef>
+          <a:effectRef idx="0">
+            <a:schemeClr val="accent1"/>
+          </a:effectRef>
+          <a:fontRef idx="minor">
+            <a:schemeClr val="tx1"/>
+          </a:fontRef>
+        </p:style>
+      </p:cxnSp>
+      <p:cxnSp>
+        <p:nvCxnSpPr>
+          <p:cNvPr id="23" name="직선 연결선 22">
+            <a:extLst>
+              <a:ext uri="{FF2B5EF4-FFF2-40B4-BE49-F238E27FC236}">
+                <a16:creationId xmlns:a16="http://schemas.microsoft.com/office/drawing/2014/main" id="{BDA37005-DB76-E005-7BB3-1DE19155A8C3}"/>
+              </a:ext>
+            </a:extLst>
+          </p:cNvPr>
+          <p:cNvCxnSpPr>
+            <a:cxnSpLocks/>
+          </p:cNvCxnSpPr>
+          <p:nvPr/>
+        </p:nvCxnSpPr>
+        <p:spPr>
+          <a:xfrm>
+            <a:off x="1808793" y="3321705"/>
+            <a:ext cx="0" cy="246184"/>
+          </a:xfrm>
+          <a:prstGeom prst="line">
+            <a:avLst/>
+          </a:prstGeom>
+          <a:ln w="28575">
+            <a:solidFill>
+              <a:srgbClr val="C00000"/>
+            </a:solidFill>
+          </a:ln>
+        </p:spPr>
+        <p:style>
+          <a:lnRef idx="1">
+            <a:schemeClr val="accent1"/>
+          </a:lnRef>
+          <a:fillRef idx="0">
+            <a:schemeClr val="accent1"/>
+          </a:fillRef>
+          <a:effectRef idx="0">
+            <a:schemeClr val="accent1"/>
+          </a:effectRef>
+          <a:fontRef idx="minor">
+            <a:schemeClr val="tx1"/>
+          </a:fontRef>
+        </p:style>
+      </p:cxnSp>
+      <p:cxnSp>
+        <p:nvCxnSpPr>
+          <p:cNvPr id="26" name="직선 화살표 연결선 25">
+            <a:extLst>
+              <a:ext uri="{FF2B5EF4-FFF2-40B4-BE49-F238E27FC236}">
+                <a16:creationId xmlns:a16="http://schemas.microsoft.com/office/drawing/2014/main" id="{DF33ABDE-CBC2-07A2-183E-C976053162D1}"/>
+              </a:ext>
+            </a:extLst>
+          </p:cNvPr>
+          <p:cNvCxnSpPr>
+            <a:cxnSpLocks/>
+            <a:stCxn id="16" idx="3"/>
+            <a:endCxn id="17" idx="1"/>
+          </p:cNvCxnSpPr>
+          <p:nvPr/>
+        </p:nvCxnSpPr>
+        <p:spPr>
+          <a:xfrm flipV="1">
+            <a:off x="2306105" y="1205113"/>
+            <a:ext cx="1046140" cy="903470"/>
+          </a:xfrm>
+          <a:prstGeom prst="straightConnector1">
+            <a:avLst/>
+          </a:prstGeom>
+          <a:noFill/>
+          <a:ln w="9525">
+            <a:solidFill>
+              <a:srgbClr val="C00000"/>
+            </a:solidFill>
+            <a:prstDash val="dash"/>
+            <a:headEnd type="none" w="med" len="med"/>
+            <a:tailEnd type="triangle" w="med" len="med"/>
+          </a:ln>
+        </p:spPr>
+        <p:style>
+          <a:lnRef idx="2">
+            <a:schemeClr val="accent1">
+              <a:shade val="15000"/>
+            </a:schemeClr>
+          </a:lnRef>
+          <a:fillRef idx="1">
+            <a:schemeClr val="accent1"/>
+          </a:fillRef>
+          <a:effectRef idx="0">
+            <a:schemeClr val="accent1"/>
+          </a:effectRef>
+          <a:fontRef idx="minor">
+            <a:schemeClr val="lt1"/>
+          </a:fontRef>
+        </p:style>
+      </p:cxnSp>
+      <p:cxnSp>
+        <p:nvCxnSpPr>
+          <p:cNvPr id="27" name="직선 화살표 연결선 26">
+            <a:extLst>
+              <a:ext uri="{FF2B5EF4-FFF2-40B4-BE49-F238E27FC236}">
+                <a16:creationId xmlns:a16="http://schemas.microsoft.com/office/drawing/2014/main" id="{B5C1BC1E-1E17-61A4-3A8E-44E3A1540BF4}"/>
+              </a:ext>
+            </a:extLst>
+          </p:cNvPr>
+          <p:cNvCxnSpPr>
+            <a:cxnSpLocks/>
+            <a:stCxn id="15" idx="3"/>
+            <a:endCxn id="17" idx="1"/>
+          </p:cNvCxnSpPr>
+          <p:nvPr/>
+        </p:nvCxnSpPr>
+        <p:spPr>
+          <a:xfrm flipV="1">
+            <a:off x="2306105" y="1205113"/>
+            <a:ext cx="1046140" cy="2019813"/>
+          </a:xfrm>
+          <a:prstGeom prst="straightConnector1">
+            <a:avLst/>
+          </a:prstGeom>
+          <a:noFill/>
+          <a:ln w="9525">
+            <a:solidFill>
+              <a:srgbClr val="C00000"/>
+            </a:solidFill>
+            <a:prstDash val="dash"/>
+            <a:headEnd type="none" w="med" len="med"/>
+            <a:tailEnd type="triangle" w="med" len="med"/>
+          </a:ln>
+        </p:spPr>
+        <p:style>
+          <a:lnRef idx="2">
+            <a:schemeClr val="accent1">
+              <a:shade val="15000"/>
+            </a:schemeClr>
+          </a:lnRef>
+          <a:fillRef idx="1">
+            <a:schemeClr val="accent1"/>
+          </a:fillRef>
+          <a:effectRef idx="0">
+            <a:schemeClr val="accent1"/>
+          </a:effectRef>
+          <a:fontRef idx="minor">
+            <a:schemeClr val="lt1"/>
+          </a:fontRef>
+        </p:style>
+      </p:cxnSp>
+      <p:sp>
+        <p:nvSpPr>
+          <p:cNvPr id="35" name="TextBox 34">
+            <a:extLst>
+              <a:ext uri="{FF2B5EF4-FFF2-40B4-BE49-F238E27FC236}">
+                <a16:creationId xmlns:a16="http://schemas.microsoft.com/office/drawing/2014/main" id="{D8830B79-09BC-8CDB-9727-E5943BB6FE89}"/>
+              </a:ext>
+            </a:extLst>
+          </p:cNvPr>
+          <p:cNvSpPr txBox="1"/>
+          <p:nvPr/>
+        </p:nvSpPr>
+        <p:spPr>
+          <a:xfrm>
+            <a:off x="3313822" y="2036745"/>
+            <a:ext cx="476412" cy="261610"/>
+          </a:xfrm>
+          <a:prstGeom prst="rect">
+            <a:avLst/>
+          </a:prstGeom>
+          <a:noFill/>
+        </p:spPr>
+        <p:txBody>
+          <a:bodyPr wrap="square" rtlCol="0">
+            <a:spAutoFit/>
+          </a:bodyPr>
+          <a:lstStyle/>
+          <a:p>
+            <a:pPr algn="r"/>
+            <a:r>
+              <a:rPr lang="en-GB" sz="1050" b="1">
+                <a:solidFill>
+                  <a:srgbClr val="C00000"/>
+                </a:solidFill>
+              </a:rPr>
+              <a:t>Gym</a:t>
+            </a:r>
+          </a:p>
+        </p:txBody>
+      </p:sp>
+      <p:sp>
+        <p:nvSpPr>
+          <p:cNvPr id="36" name="TextBox 35">
+            <a:extLst>
+              <a:ext uri="{FF2B5EF4-FFF2-40B4-BE49-F238E27FC236}">
+                <a16:creationId xmlns:a16="http://schemas.microsoft.com/office/drawing/2014/main" id="{7498B629-74C3-E041-3949-937534EA26C5}"/>
+              </a:ext>
+            </a:extLst>
+          </p:cNvPr>
+          <p:cNvSpPr txBox="1"/>
+          <p:nvPr/>
+        </p:nvSpPr>
+        <p:spPr>
+          <a:xfrm>
+            <a:off x="2875717" y="2583460"/>
+            <a:ext cx="914517" cy="253916"/>
+          </a:xfrm>
+          <a:prstGeom prst="rect">
+            <a:avLst/>
+          </a:prstGeom>
+          <a:noFill/>
+        </p:spPr>
+        <p:txBody>
+          <a:bodyPr wrap="square" rtlCol="0">
+            <a:spAutoFit/>
+          </a:bodyPr>
+          <a:lstStyle/>
+          <a:p>
+            <a:pPr algn="r"/>
+            <a:r>
+              <a:rPr lang="en-GB" sz="1050" b="1">
+                <a:solidFill>
+                  <a:srgbClr val="C00000"/>
+                </a:solidFill>
+              </a:rPr>
+              <a:t>Participant</a:t>
+            </a:r>
+          </a:p>
+        </p:txBody>
+      </p:sp>
+      <p:sp>
+        <p:nvSpPr>
+          <p:cNvPr id="37" name="TextBox 36">
+            <a:extLst>
+              <a:ext uri="{FF2B5EF4-FFF2-40B4-BE49-F238E27FC236}">
+                <a16:creationId xmlns:a16="http://schemas.microsoft.com/office/drawing/2014/main" id="{9FDE914C-5FA3-AFA6-259A-04E5A8F34950}"/>
+              </a:ext>
+            </a:extLst>
+          </p:cNvPr>
+          <p:cNvSpPr txBox="1"/>
+          <p:nvPr/>
+        </p:nvSpPr>
+        <p:spPr>
+          <a:xfrm>
+            <a:off x="3226582" y="3093423"/>
+            <a:ext cx="563652" cy="253916"/>
+          </a:xfrm>
+          <a:prstGeom prst="rect">
+            <a:avLst/>
+          </a:prstGeom>
+          <a:noFill/>
+        </p:spPr>
+        <p:txBody>
+          <a:bodyPr wrap="square" rtlCol="0">
+            <a:spAutoFit/>
+          </a:bodyPr>
+          <a:lstStyle/>
+          <a:p>
+            <a:pPr algn="r"/>
+            <a:r>
+              <a:rPr lang="en-GB" sz="1050" b="1">
+                <a:solidFill>
+                  <a:srgbClr val="C00000"/>
+                </a:solidFill>
+              </a:rPr>
+              <a:t>Room</a:t>
+            </a:r>
+          </a:p>
+        </p:txBody>
+      </p:sp>
+      <p:sp>
+        <p:nvSpPr>
+          <p:cNvPr id="38" name="TextBox 37">
+            <a:extLst>
+              <a:ext uri="{FF2B5EF4-FFF2-40B4-BE49-F238E27FC236}">
+                <a16:creationId xmlns:a16="http://schemas.microsoft.com/office/drawing/2014/main" id="{113F581A-0233-2534-6D93-86E29AEDE4CC}"/>
+              </a:ext>
+            </a:extLst>
+          </p:cNvPr>
+          <p:cNvSpPr txBox="1"/>
+          <p:nvPr/>
+        </p:nvSpPr>
+        <p:spPr>
+          <a:xfrm>
+            <a:off x="3125518" y="3698050"/>
+            <a:ext cx="664716" cy="253916"/>
+          </a:xfrm>
+          <a:prstGeom prst="rect">
+            <a:avLst/>
+          </a:prstGeom>
+          <a:noFill/>
+        </p:spPr>
+        <p:txBody>
+          <a:bodyPr wrap="square" rtlCol="0">
+            <a:spAutoFit/>
+          </a:bodyPr>
+          <a:lstStyle/>
+          <a:p>
+            <a:pPr algn="r"/>
+            <a:r>
+              <a:rPr lang="en-GB" sz="1050" b="1">
+                <a:solidFill>
+                  <a:srgbClr val="C00000"/>
+                </a:solidFill>
+              </a:rPr>
+              <a:t>Session</a:t>
+            </a:r>
+          </a:p>
+        </p:txBody>
+      </p:sp>
+      <p:sp>
+        <p:nvSpPr>
+          <p:cNvPr id="39" name="TextBox 38">
+            <a:extLst>
+              <a:ext uri="{FF2B5EF4-FFF2-40B4-BE49-F238E27FC236}">
+                <a16:creationId xmlns:a16="http://schemas.microsoft.com/office/drawing/2014/main" id="{F25C8F7E-30D4-B9FE-AEB9-A77ADB4D298F}"/>
+              </a:ext>
+            </a:extLst>
+          </p:cNvPr>
+          <p:cNvSpPr txBox="1"/>
+          <p:nvPr/>
+        </p:nvSpPr>
+        <p:spPr>
+          <a:xfrm>
+            <a:off x="2746826" y="4518433"/>
+            <a:ext cx="1017103" cy="253916"/>
+          </a:xfrm>
+          <a:prstGeom prst="rect">
+            <a:avLst/>
+          </a:prstGeom>
+          <a:noFill/>
+        </p:spPr>
+        <p:txBody>
+          <a:bodyPr wrap="square" rtlCol="0">
+            <a:spAutoFit/>
+          </a:bodyPr>
+          <a:lstStyle/>
+          <a:p>
+            <a:pPr algn="r"/>
+            <a:r>
+              <a:rPr lang="en-GB" sz="1050" b="1">
+                <a:solidFill>
+                  <a:srgbClr val="C00000"/>
+                </a:solidFill>
+              </a:rPr>
+              <a:t>Subscription</a:t>
+            </a:r>
+          </a:p>
+        </p:txBody>
+      </p:sp>
       <p:grpSp>
         <p:nvGrpSpPr>
-          <p:cNvPr id="3" name="그룹 2"/>
+          <p:cNvPr id="5" name="그룹 4">
+            <a:extLst>
+              <a:ext uri="{FF2B5EF4-FFF2-40B4-BE49-F238E27FC236}">
+                <a16:creationId xmlns:a16="http://schemas.microsoft.com/office/drawing/2014/main" id="{6C07CDEF-5F45-CE9A-E9B7-1337B65D207D}"/>
+              </a:ext>
+            </a:extLst>
+          </p:cNvPr>
           <p:cNvGrpSpPr/>
           <p:nvPr/>
         </p:nvGrpSpPr>
         <p:grpSpPr>
           <a:xfrm>
-            <a:off x="153614" y="66247"/>
-            <a:ext cx="11884773" cy="6725507"/>
-            <a:chOff x="153614" y="66247"/>
-            <a:chExt cx="11884773" cy="6725507"/>
+            <a:off x="3019082" y="5499389"/>
+            <a:ext cx="771152" cy="253916"/>
+            <a:chOff x="3019082" y="5499389"/>
+            <a:chExt cx="771152" cy="253916"/>
           </a:xfrm>
         </p:grpSpPr>
-        <p:pic>
-          <p:nvPicPr>
-            <p:cNvPr id="7" name="그림 6">
+        <p:sp>
+          <p:nvSpPr>
+            <p:cNvPr id="40" name="TextBox 39">
               <a:extLst>
                 <a:ext uri="{FF2B5EF4-FFF2-40B4-BE49-F238E27FC236}">
-                  <a16:creationId xmlns:a16="http://schemas.microsoft.com/office/drawing/2014/main" xmlns="" id="{D2A7AB12-7F35-61A6-504A-F50EF9B95A81}"/>
-                </a:ext>
-              </a:extLst>
-            </p:cNvPr>
-            <p:cNvPicPr>
-              <a:picLocks noChangeAspect="1"/>
-            </p:cNvPicPr>
-            <p:nvPr/>
-          </p:nvPicPr>
-          <p:blipFill>
-            <a:blip r:embed="rId2"/>
-            <a:stretch>
-              <a:fillRect/>
-            </a:stretch>
-          </p:blipFill>
-          <p:spPr>
-            <a:xfrm>
-              <a:off x="6531710" y="66247"/>
-              <a:ext cx="3425762" cy="6725507"/>
-            </a:xfrm>
-            <a:prstGeom prst="rect">
-              <a:avLst/>
-            </a:prstGeom>
-          </p:spPr>
-        </p:pic>
-        <p:sp>
-          <p:nvSpPr>
-            <p:cNvPr id="30" name="직사각형 29">
-              <a:extLst>
-                <a:ext uri="{FF2B5EF4-FFF2-40B4-BE49-F238E27FC236}">
-                  <a16:creationId xmlns:a16="http://schemas.microsoft.com/office/drawing/2014/main" xmlns="" id="{55ED66F5-1478-EFE2-D13E-60C1DCAADACC}"/>
-                </a:ext>
-              </a:extLst>
-            </p:cNvPr>
-            <p:cNvSpPr/>
-            <p:nvPr/>
-          </p:nvSpPr>
-          <p:spPr>
-            <a:xfrm>
-              <a:off x="6787662" y="1113746"/>
-              <a:ext cx="2952377" cy="894920"/>
-            </a:xfrm>
-            <a:prstGeom prst="rect">
-              <a:avLst/>
-            </a:prstGeom>
-            <a:noFill/>
-            <a:ln w="9525">
-              <a:solidFill>
-                <a:srgbClr val="C00000"/>
-              </a:solidFill>
-              <a:prstDash val="dash"/>
-            </a:ln>
-          </p:spPr>
-          <p:style>
-            <a:lnRef idx="2">
-              <a:schemeClr val="accent1">
-                <a:shade val="15000"/>
-              </a:schemeClr>
-            </a:lnRef>
-            <a:fillRef idx="1">
-              <a:schemeClr val="accent1"/>
-            </a:fillRef>
-            <a:effectRef idx="0">
-              <a:schemeClr val="accent1"/>
-            </a:effectRef>
-            <a:fontRef idx="minor">
-              <a:schemeClr val="lt1"/>
-            </a:fontRef>
-          </p:style>
-          <p:txBody>
-            <a:bodyPr rtlCol="0" anchor="ctr"/>
-            <a:lstStyle/>
-            <a:p>
-              <a:pPr algn="ctr"/>
-              <a:endParaRPr lang="en-GB"/>
-            </a:p>
-          </p:txBody>
-        </p:sp>
-        <p:cxnSp>
-          <p:nvCxnSpPr>
-            <p:cNvPr id="31" name="직선 연결선 30">
-              <a:extLst>
-                <a:ext uri="{FF2B5EF4-FFF2-40B4-BE49-F238E27FC236}">
-                  <a16:creationId xmlns:a16="http://schemas.microsoft.com/office/drawing/2014/main" xmlns="" id="{F3BE8123-4994-926A-BEBD-D4FCEE053DF5}"/>
-                </a:ext>
-              </a:extLst>
-            </p:cNvPr>
-            <p:cNvCxnSpPr>
-              <a:cxnSpLocks/>
-            </p:cNvCxnSpPr>
-            <p:nvPr/>
-          </p:nvCxnSpPr>
-          <p:spPr>
-            <a:xfrm>
-              <a:off x="7163128" y="5415608"/>
-              <a:ext cx="0" cy="968585"/>
-            </a:xfrm>
-            <a:prstGeom prst="line">
-              <a:avLst/>
-            </a:prstGeom>
-            <a:ln w="28575">
-              <a:solidFill>
-                <a:srgbClr val="C00000"/>
-              </a:solidFill>
-            </a:ln>
-          </p:spPr>
-          <p:style>
-            <a:lnRef idx="1">
-              <a:schemeClr val="accent1"/>
-            </a:lnRef>
-            <a:fillRef idx="0">
-              <a:schemeClr val="accent1"/>
-            </a:fillRef>
-            <a:effectRef idx="0">
-              <a:schemeClr val="accent1"/>
-            </a:effectRef>
-            <a:fontRef idx="minor">
-              <a:schemeClr val="tx1"/>
-            </a:fontRef>
-          </p:style>
-        </p:cxnSp>
-        <p:pic>
-          <p:nvPicPr>
-            <p:cNvPr id="34" name="그림 33">
-              <a:extLst>
-                <a:ext uri="{FF2B5EF4-FFF2-40B4-BE49-F238E27FC236}">
-                  <a16:creationId xmlns:a16="http://schemas.microsoft.com/office/drawing/2014/main" xmlns="" id="{76BFD087-1464-697E-3C36-8578E74FE30C}"/>
-                </a:ext>
-              </a:extLst>
-            </p:cNvPr>
-            <p:cNvPicPr>
-              <a:picLocks noChangeAspect="1"/>
-            </p:cNvPicPr>
-            <p:nvPr/>
-          </p:nvPicPr>
-          <p:blipFill>
-            <a:blip r:embed="rId3"/>
-            <a:stretch>
-              <a:fillRect/>
-            </a:stretch>
-          </p:blipFill>
-          <p:spPr>
-            <a:xfrm>
-              <a:off x="9139393" y="4058299"/>
-              <a:ext cx="2898994" cy="2597499"/>
-            </a:xfrm>
-            <a:prstGeom prst="rect">
-              <a:avLst/>
-            </a:prstGeom>
-            <a:ln>
-              <a:solidFill>
-                <a:srgbClr val="C00000"/>
-              </a:solidFill>
-            </a:ln>
-          </p:spPr>
-        </p:pic>
-        <p:cxnSp>
-          <p:nvCxnSpPr>
-            <p:cNvPr id="42" name="연결선: 꺾임 41">
-              <a:extLst>
-                <a:ext uri="{FF2B5EF4-FFF2-40B4-BE49-F238E27FC236}">
-                  <a16:creationId xmlns:a16="http://schemas.microsoft.com/office/drawing/2014/main" xmlns="" id="{74F507FB-9E49-E4EE-ED10-DCDC4C41B089}"/>
-                </a:ext>
-              </a:extLst>
-            </p:cNvPr>
-            <p:cNvCxnSpPr>
-              <a:cxnSpLocks/>
-              <a:stCxn id="44" idx="2"/>
-              <a:endCxn id="49" idx="1"/>
-            </p:cNvCxnSpPr>
-            <p:nvPr/>
-          </p:nvCxnSpPr>
-          <p:spPr>
-            <a:xfrm rot="16200000" flipH="1">
-              <a:off x="5058194" y="3794966"/>
-              <a:ext cx="225314" cy="3984554"/>
-            </a:xfrm>
-            <a:prstGeom prst="bentConnector2">
-              <a:avLst/>
-            </a:prstGeom>
-            <a:ln w="19050">
-              <a:solidFill>
-                <a:srgbClr val="C00000"/>
-              </a:solidFill>
-              <a:tailEnd type="triangle"/>
-            </a:ln>
-          </p:spPr>
-          <p:style>
-            <a:lnRef idx="1">
-              <a:schemeClr val="accent1"/>
-            </a:lnRef>
-            <a:fillRef idx="0">
-              <a:schemeClr val="accent1"/>
-            </a:fillRef>
-            <a:effectRef idx="0">
-              <a:schemeClr val="accent1"/>
-            </a:effectRef>
-            <a:fontRef idx="minor">
-              <a:schemeClr val="tx1"/>
-            </a:fontRef>
-          </p:style>
-        </p:cxnSp>
-        <p:sp>
-          <p:nvSpPr>
-            <p:cNvPr id="49" name="직사각형 48">
-              <a:extLst>
-                <a:ext uri="{FF2B5EF4-FFF2-40B4-BE49-F238E27FC236}">
-                  <a16:creationId xmlns:a16="http://schemas.microsoft.com/office/drawing/2014/main" xmlns="" id="{F07CCA64-B34C-9731-7082-801539A20B90}"/>
-                </a:ext>
-              </a:extLst>
-            </p:cNvPr>
-            <p:cNvSpPr/>
-            <p:nvPr/>
-          </p:nvSpPr>
-          <p:spPr>
-            <a:xfrm>
-              <a:off x="7163128" y="5592747"/>
-              <a:ext cx="296920" cy="614306"/>
-            </a:xfrm>
-            <a:prstGeom prst="rect">
-              <a:avLst/>
-            </a:prstGeom>
-            <a:noFill/>
-            <a:ln>
-              <a:noFill/>
-            </a:ln>
-          </p:spPr>
-          <p:style>
-            <a:lnRef idx="2">
-              <a:schemeClr val="accent1">
-                <a:shade val="15000"/>
-              </a:schemeClr>
-            </a:lnRef>
-            <a:fillRef idx="1">
-              <a:schemeClr val="accent1"/>
-            </a:fillRef>
-            <a:effectRef idx="0">
-              <a:schemeClr val="accent1"/>
-            </a:effectRef>
-            <a:fontRef idx="minor">
-              <a:schemeClr val="lt1"/>
-            </a:fontRef>
-          </p:style>
-          <p:txBody>
-            <a:bodyPr rtlCol="0" anchor="ctr"/>
-            <a:lstStyle/>
-            <a:p>
-              <a:pPr algn="ctr"/>
-              <a:endParaRPr lang="en-GB"/>
-            </a:p>
-          </p:txBody>
-        </p:sp>
-        <p:sp>
-          <p:nvSpPr>
-            <p:cNvPr id="54" name="TextBox 53">
-              <a:extLst>
-                <a:ext uri="{FF2B5EF4-FFF2-40B4-BE49-F238E27FC236}">
-                  <a16:creationId xmlns:a16="http://schemas.microsoft.com/office/drawing/2014/main" xmlns="" id="{968600CA-6562-FDDF-0699-E17F13B97103}"/>
+                  <a16:creationId xmlns:a16="http://schemas.microsoft.com/office/drawing/2014/main" id="{4B4EE0E5-4F34-6D6E-9AFA-A99ACF0C4844}"/>
                 </a:ext>
               </a:extLst>
             </p:cNvPr>
@@ -3256,819 +4076,7 @@
           </p:nvSpPr>
           <p:spPr>
             <a:xfrm>
-              <a:off x="8686687" y="1072511"/>
-              <a:ext cx="1558440" cy="369332"/>
-            </a:xfrm>
-            <a:prstGeom prst="rect">
-              <a:avLst/>
-            </a:prstGeom>
-            <a:noFill/>
-          </p:spPr>
-          <p:txBody>
-            <a:bodyPr wrap="none" rtlCol="0">
-              <a:spAutoFit/>
-            </a:bodyPr>
-            <a:lstStyle/>
-            <a:p>
-              <a:r>
-                <a:rPr lang="en-GB" b="1">
-                  <a:solidFill>
-                    <a:srgbClr val="C00000"/>
-                  </a:solidFill>
-                </a:rPr>
-                <a:t>Abstractions</a:t>
-              </a:r>
-            </a:p>
-          </p:txBody>
-        </p:sp>
-        <p:pic>
-          <p:nvPicPr>
-            <p:cNvPr id="2" name="그림 1"/>
-            <p:cNvPicPr>
-              <a:picLocks noChangeAspect="1"/>
-            </p:cNvPicPr>
-            <p:nvPr/>
-          </p:nvPicPr>
-          <p:blipFill>
-            <a:blip r:embed="rId4"/>
-            <a:stretch>
-              <a:fillRect/>
-            </a:stretch>
-          </p:blipFill>
-          <p:spPr>
-            <a:xfrm>
-              <a:off x="2905424" y="66247"/>
-              <a:ext cx="3453455" cy="5817317"/>
-            </a:xfrm>
-            <a:prstGeom prst="rect">
-              <a:avLst/>
-            </a:prstGeom>
-          </p:spPr>
-        </p:pic>
-        <p:pic>
-          <p:nvPicPr>
-            <p:cNvPr id="8" name="그림 7">
-              <a:extLst>
-                <a:ext uri="{FF2B5EF4-FFF2-40B4-BE49-F238E27FC236}">
-                  <a16:creationId xmlns:a16="http://schemas.microsoft.com/office/drawing/2014/main" xmlns="" id="{D95B96F7-5DE9-CCE7-29CD-A15F2AF14744}"/>
-                </a:ext>
-              </a:extLst>
-            </p:cNvPr>
-            <p:cNvPicPr>
-              <a:picLocks noChangeAspect="1"/>
-            </p:cNvPicPr>
-            <p:nvPr/>
-          </p:nvPicPr>
-          <p:blipFill>
-            <a:blip r:embed="rId5"/>
-            <a:stretch>
-              <a:fillRect/>
-            </a:stretch>
-          </p:blipFill>
-          <p:spPr>
-            <a:xfrm>
-              <a:off x="153614" y="66247"/>
-              <a:ext cx="2552986" cy="3757136"/>
-            </a:xfrm>
-            <a:prstGeom prst="rect">
-              <a:avLst/>
-            </a:prstGeom>
-          </p:spPr>
-        </p:pic>
-        <p:sp>
-          <p:nvSpPr>
-            <p:cNvPr id="15" name="직사각형 14">
-              <a:extLst>
-                <a:ext uri="{FF2B5EF4-FFF2-40B4-BE49-F238E27FC236}">
-                  <a16:creationId xmlns:a16="http://schemas.microsoft.com/office/drawing/2014/main" xmlns="" id="{44A00350-2EED-1207-B975-A1B249C9C2CE}"/>
-                </a:ext>
-              </a:extLst>
-            </p:cNvPr>
-            <p:cNvSpPr/>
-            <p:nvPr/>
-          </p:nvSpPr>
-          <p:spPr>
-            <a:xfrm>
-              <a:off x="311511" y="3088053"/>
-              <a:ext cx="1994594" cy="163218"/>
-            </a:xfrm>
-            <a:prstGeom prst="rect">
-              <a:avLst/>
-            </a:prstGeom>
-            <a:noFill/>
-            <a:ln w="9525">
-              <a:solidFill>
-                <a:srgbClr val="C00000"/>
-              </a:solidFill>
-              <a:prstDash val="dash"/>
-            </a:ln>
-          </p:spPr>
-          <p:style>
-            <a:lnRef idx="2">
-              <a:schemeClr val="accent1">
-                <a:shade val="15000"/>
-              </a:schemeClr>
-            </a:lnRef>
-            <a:fillRef idx="1">
-              <a:schemeClr val="accent1"/>
-            </a:fillRef>
-            <a:effectRef idx="0">
-              <a:schemeClr val="accent1"/>
-            </a:effectRef>
-            <a:fontRef idx="minor">
-              <a:schemeClr val="lt1"/>
-            </a:fontRef>
-          </p:style>
-          <p:txBody>
-            <a:bodyPr rtlCol="0" anchor="ctr"/>
-            <a:lstStyle/>
-            <a:p>
-              <a:pPr algn="ctr"/>
-              <a:endParaRPr lang="en-GB"/>
-            </a:p>
-          </p:txBody>
-        </p:sp>
-        <p:sp>
-          <p:nvSpPr>
-            <p:cNvPr id="16" name="직사각형 15">
-              <a:extLst>
-                <a:ext uri="{FF2B5EF4-FFF2-40B4-BE49-F238E27FC236}">
-                  <a16:creationId xmlns:a16="http://schemas.microsoft.com/office/drawing/2014/main" xmlns="" id="{0D27BA77-0988-DFA7-2B8B-4CA6CD9258DE}"/>
-                </a:ext>
-              </a:extLst>
-            </p:cNvPr>
-            <p:cNvSpPr/>
-            <p:nvPr/>
-          </p:nvSpPr>
-          <p:spPr>
-            <a:xfrm>
-              <a:off x="311511" y="2016926"/>
-              <a:ext cx="1994594" cy="163218"/>
-            </a:xfrm>
-            <a:prstGeom prst="rect">
-              <a:avLst/>
-            </a:prstGeom>
-            <a:noFill/>
-            <a:ln w="9525">
-              <a:solidFill>
-                <a:srgbClr val="C00000"/>
-              </a:solidFill>
-              <a:prstDash val="dash"/>
-            </a:ln>
-          </p:spPr>
-          <p:style>
-            <a:lnRef idx="2">
-              <a:schemeClr val="accent1">
-                <a:shade val="15000"/>
-              </a:schemeClr>
-            </a:lnRef>
-            <a:fillRef idx="1">
-              <a:schemeClr val="accent1"/>
-            </a:fillRef>
-            <a:effectRef idx="0">
-              <a:schemeClr val="accent1"/>
-            </a:effectRef>
-            <a:fontRef idx="minor">
-              <a:schemeClr val="lt1"/>
-            </a:fontRef>
-          </p:style>
-          <p:txBody>
-            <a:bodyPr rtlCol="0" anchor="ctr"/>
-            <a:lstStyle/>
-            <a:p>
-              <a:pPr algn="ctr"/>
-              <a:endParaRPr lang="en-GB"/>
-            </a:p>
-          </p:txBody>
-        </p:sp>
-        <p:sp>
-          <p:nvSpPr>
-            <p:cNvPr id="17" name="직사각형 16">
-              <a:extLst>
-                <a:ext uri="{FF2B5EF4-FFF2-40B4-BE49-F238E27FC236}">
-                  <a16:creationId xmlns:a16="http://schemas.microsoft.com/office/drawing/2014/main" xmlns="" id="{47E35CB8-DB93-0F6A-3BFF-29C6417B32FB}"/>
-                </a:ext>
-              </a:extLst>
-            </p:cNvPr>
-            <p:cNvSpPr/>
-            <p:nvPr/>
-          </p:nvSpPr>
-          <p:spPr>
-            <a:xfrm>
-              <a:off x="3126161" y="782990"/>
-              <a:ext cx="2179910" cy="844246"/>
-            </a:xfrm>
-            <a:prstGeom prst="rect">
-              <a:avLst/>
-            </a:prstGeom>
-            <a:noFill/>
-            <a:ln w="9525">
-              <a:solidFill>
-                <a:srgbClr val="C00000"/>
-              </a:solidFill>
-              <a:prstDash val="dash"/>
-            </a:ln>
-          </p:spPr>
-          <p:style>
-            <a:lnRef idx="2">
-              <a:schemeClr val="accent1">
-                <a:shade val="15000"/>
-              </a:schemeClr>
-            </a:lnRef>
-            <a:fillRef idx="1">
-              <a:schemeClr val="accent1"/>
-            </a:fillRef>
-            <a:effectRef idx="0">
-              <a:schemeClr val="accent1"/>
-            </a:effectRef>
-            <a:fontRef idx="minor">
-              <a:schemeClr val="lt1"/>
-            </a:fontRef>
-          </p:style>
-          <p:txBody>
-            <a:bodyPr rtlCol="0" anchor="ctr"/>
-            <a:lstStyle/>
-            <a:p>
-              <a:pPr algn="ctr"/>
-              <a:endParaRPr lang="en-GB"/>
-            </a:p>
-          </p:txBody>
-        </p:sp>
-        <p:cxnSp>
-          <p:nvCxnSpPr>
-            <p:cNvPr id="18" name="직선 연결선 17">
-              <a:extLst>
-                <a:ext uri="{FF2B5EF4-FFF2-40B4-BE49-F238E27FC236}">
-                  <a16:creationId xmlns:a16="http://schemas.microsoft.com/office/drawing/2014/main" xmlns="" id="{DF0B02D2-5A7A-F6A2-C0AC-5A07E3886225}"/>
-                </a:ext>
-              </a:extLst>
-            </p:cNvPr>
-            <p:cNvCxnSpPr>
-              <a:cxnSpLocks/>
-            </p:cNvCxnSpPr>
-            <p:nvPr/>
-          </p:nvCxnSpPr>
-          <p:spPr>
-            <a:xfrm>
-              <a:off x="1677826" y="843415"/>
-              <a:ext cx="0" cy="246184"/>
-            </a:xfrm>
-            <a:prstGeom prst="line">
-              <a:avLst/>
-            </a:prstGeom>
-            <a:ln w="28575">
-              <a:solidFill>
-                <a:srgbClr val="C00000"/>
-              </a:solidFill>
-            </a:ln>
-          </p:spPr>
-          <p:style>
-            <a:lnRef idx="1">
-              <a:schemeClr val="accent1"/>
-            </a:lnRef>
-            <a:fillRef idx="0">
-              <a:schemeClr val="accent1"/>
-            </a:fillRef>
-            <a:effectRef idx="0">
-              <a:schemeClr val="accent1"/>
-            </a:effectRef>
-            <a:fontRef idx="minor">
-              <a:schemeClr val="tx1"/>
-            </a:fontRef>
-          </p:style>
-        </p:cxnSp>
-        <p:cxnSp>
-          <p:nvCxnSpPr>
-            <p:cNvPr id="19" name="직선 연결선 18">
-              <a:extLst>
-                <a:ext uri="{FF2B5EF4-FFF2-40B4-BE49-F238E27FC236}">
-                  <a16:creationId xmlns:a16="http://schemas.microsoft.com/office/drawing/2014/main" xmlns="" id="{8A292E93-B87A-394D-8A2D-88BB0751ACE5}"/>
-                </a:ext>
-              </a:extLst>
-            </p:cNvPr>
-            <p:cNvCxnSpPr>
-              <a:cxnSpLocks/>
-            </p:cNvCxnSpPr>
-            <p:nvPr/>
-          </p:nvCxnSpPr>
-          <p:spPr>
-            <a:xfrm>
-              <a:off x="1985007" y="1372051"/>
-              <a:ext cx="0" cy="246184"/>
-            </a:xfrm>
-            <a:prstGeom prst="line">
-              <a:avLst/>
-            </a:prstGeom>
-            <a:ln w="28575">
-              <a:solidFill>
-                <a:srgbClr val="C00000"/>
-              </a:solidFill>
-            </a:ln>
-          </p:spPr>
-          <p:style>
-            <a:lnRef idx="1">
-              <a:schemeClr val="accent1"/>
-            </a:lnRef>
-            <a:fillRef idx="0">
-              <a:schemeClr val="accent1"/>
-            </a:fillRef>
-            <a:effectRef idx="0">
-              <a:schemeClr val="accent1"/>
-            </a:effectRef>
-            <a:fontRef idx="minor">
-              <a:schemeClr val="tx1"/>
-            </a:fontRef>
-          </p:style>
-        </p:cxnSp>
-        <p:cxnSp>
-          <p:nvCxnSpPr>
-            <p:cNvPr id="20" name="직선 연결선 19">
-              <a:extLst>
-                <a:ext uri="{FF2B5EF4-FFF2-40B4-BE49-F238E27FC236}">
-                  <a16:creationId xmlns:a16="http://schemas.microsoft.com/office/drawing/2014/main" xmlns="" id="{F742C95F-18A5-7283-63BC-679B0AEE841E}"/>
-                </a:ext>
-              </a:extLst>
-            </p:cNvPr>
-            <p:cNvCxnSpPr>
-              <a:cxnSpLocks/>
-            </p:cNvCxnSpPr>
-            <p:nvPr/>
-          </p:nvCxnSpPr>
-          <p:spPr>
-            <a:xfrm>
-              <a:off x="1749263" y="1724476"/>
-              <a:ext cx="0" cy="246184"/>
-            </a:xfrm>
-            <a:prstGeom prst="line">
-              <a:avLst/>
-            </a:prstGeom>
-            <a:ln w="28575">
-              <a:solidFill>
-                <a:srgbClr val="C00000"/>
-              </a:solidFill>
-            </a:ln>
-          </p:spPr>
-          <p:style>
-            <a:lnRef idx="1">
-              <a:schemeClr val="accent1"/>
-            </a:lnRef>
-            <a:fillRef idx="0">
-              <a:schemeClr val="accent1"/>
-            </a:fillRef>
-            <a:effectRef idx="0">
-              <a:schemeClr val="accent1"/>
-            </a:effectRef>
-            <a:fontRef idx="minor">
-              <a:schemeClr val="tx1"/>
-            </a:fontRef>
-          </p:style>
-        </p:cxnSp>
-        <p:cxnSp>
-          <p:nvCxnSpPr>
-            <p:cNvPr id="21" name="직선 연결선 20">
-              <a:extLst>
-                <a:ext uri="{FF2B5EF4-FFF2-40B4-BE49-F238E27FC236}">
-                  <a16:creationId xmlns:a16="http://schemas.microsoft.com/office/drawing/2014/main" xmlns="" id="{A6ECB332-533F-48E5-6326-D3E9320AB113}"/>
-                </a:ext>
-              </a:extLst>
-            </p:cNvPr>
-            <p:cNvCxnSpPr>
-              <a:cxnSpLocks/>
-            </p:cNvCxnSpPr>
-            <p:nvPr/>
-          </p:nvCxnSpPr>
-          <p:spPr>
-            <a:xfrm>
-              <a:off x="1808793" y="2260258"/>
-              <a:ext cx="0" cy="246184"/>
-            </a:xfrm>
-            <a:prstGeom prst="line">
-              <a:avLst/>
-            </a:prstGeom>
-            <a:ln w="28575">
-              <a:solidFill>
-                <a:srgbClr val="C00000"/>
-              </a:solidFill>
-            </a:ln>
-          </p:spPr>
-          <p:style>
-            <a:lnRef idx="1">
-              <a:schemeClr val="accent1"/>
-            </a:lnRef>
-            <a:fillRef idx="0">
-              <a:schemeClr val="accent1"/>
-            </a:fillRef>
-            <a:effectRef idx="0">
-              <a:schemeClr val="accent1"/>
-            </a:effectRef>
-            <a:fontRef idx="minor">
-              <a:schemeClr val="tx1"/>
-            </a:fontRef>
-          </p:style>
-        </p:cxnSp>
-        <p:cxnSp>
-          <p:nvCxnSpPr>
-            <p:cNvPr id="22" name="직선 연결선 21">
-              <a:extLst>
-                <a:ext uri="{FF2B5EF4-FFF2-40B4-BE49-F238E27FC236}">
-                  <a16:creationId xmlns:a16="http://schemas.microsoft.com/office/drawing/2014/main" xmlns="" id="{1B998782-92A1-07A0-6EE9-D793B1868EA4}"/>
-                </a:ext>
-              </a:extLst>
-            </p:cNvPr>
-            <p:cNvCxnSpPr>
-              <a:cxnSpLocks/>
-            </p:cNvCxnSpPr>
-            <p:nvPr/>
-          </p:nvCxnSpPr>
-          <p:spPr>
-            <a:xfrm>
-              <a:off x="2132643" y="2607920"/>
-              <a:ext cx="0" cy="440002"/>
-            </a:xfrm>
-            <a:prstGeom prst="line">
-              <a:avLst/>
-            </a:prstGeom>
-            <a:ln w="28575">
-              <a:solidFill>
-                <a:srgbClr val="C00000"/>
-              </a:solidFill>
-            </a:ln>
-          </p:spPr>
-          <p:style>
-            <a:lnRef idx="1">
-              <a:schemeClr val="accent1"/>
-            </a:lnRef>
-            <a:fillRef idx="0">
-              <a:schemeClr val="accent1"/>
-            </a:fillRef>
-            <a:effectRef idx="0">
-              <a:schemeClr val="accent1"/>
-            </a:effectRef>
-            <a:fontRef idx="minor">
-              <a:schemeClr val="tx1"/>
-            </a:fontRef>
-          </p:style>
-        </p:cxnSp>
-        <p:cxnSp>
-          <p:nvCxnSpPr>
-            <p:cNvPr id="23" name="직선 연결선 22">
-              <a:extLst>
-                <a:ext uri="{FF2B5EF4-FFF2-40B4-BE49-F238E27FC236}">
-                  <a16:creationId xmlns:a16="http://schemas.microsoft.com/office/drawing/2014/main" xmlns="" id="{BDA37005-DB76-E005-7BB3-1DE19155A8C3}"/>
-                </a:ext>
-              </a:extLst>
-            </p:cNvPr>
-            <p:cNvCxnSpPr>
-              <a:cxnSpLocks/>
-            </p:cNvCxnSpPr>
-            <p:nvPr/>
-          </p:nvCxnSpPr>
-          <p:spPr>
-            <a:xfrm>
-              <a:off x="1808793" y="3321705"/>
-              <a:ext cx="0" cy="246184"/>
-            </a:xfrm>
-            <a:prstGeom prst="line">
-              <a:avLst/>
-            </a:prstGeom>
-            <a:ln w="28575">
-              <a:solidFill>
-                <a:srgbClr val="C00000"/>
-              </a:solidFill>
-            </a:ln>
-          </p:spPr>
-          <p:style>
-            <a:lnRef idx="1">
-              <a:schemeClr val="accent1"/>
-            </a:lnRef>
-            <a:fillRef idx="0">
-              <a:schemeClr val="accent1"/>
-            </a:fillRef>
-            <a:effectRef idx="0">
-              <a:schemeClr val="accent1"/>
-            </a:effectRef>
-            <a:fontRef idx="minor">
-              <a:schemeClr val="tx1"/>
-            </a:fontRef>
-          </p:style>
-        </p:cxnSp>
-        <p:cxnSp>
-          <p:nvCxnSpPr>
-            <p:cNvPr id="26" name="직선 화살표 연결선 25">
-              <a:extLst>
-                <a:ext uri="{FF2B5EF4-FFF2-40B4-BE49-F238E27FC236}">
-                  <a16:creationId xmlns:a16="http://schemas.microsoft.com/office/drawing/2014/main" xmlns="" id="{DF33ABDE-CBC2-07A2-183E-C976053162D1}"/>
-                </a:ext>
-              </a:extLst>
-            </p:cNvPr>
-            <p:cNvCxnSpPr>
-              <a:cxnSpLocks/>
-              <a:stCxn id="16" idx="3"/>
-              <a:endCxn id="17" idx="1"/>
-            </p:cNvCxnSpPr>
-            <p:nvPr/>
-          </p:nvCxnSpPr>
-          <p:spPr>
-            <a:xfrm flipV="1">
-              <a:off x="2306105" y="1205113"/>
-              <a:ext cx="820056" cy="893422"/>
-            </a:xfrm>
-            <a:prstGeom prst="straightConnector1">
-              <a:avLst/>
-            </a:prstGeom>
-            <a:noFill/>
-            <a:ln w="9525">
-              <a:solidFill>
-                <a:srgbClr val="C00000"/>
-              </a:solidFill>
-              <a:prstDash val="dash"/>
-              <a:headEnd type="none" w="med" len="med"/>
-              <a:tailEnd type="triangle" w="med" len="med"/>
-            </a:ln>
-          </p:spPr>
-          <p:style>
-            <a:lnRef idx="2">
-              <a:schemeClr val="accent1">
-                <a:shade val="15000"/>
-              </a:schemeClr>
-            </a:lnRef>
-            <a:fillRef idx="1">
-              <a:schemeClr val="accent1"/>
-            </a:fillRef>
-            <a:effectRef idx="0">
-              <a:schemeClr val="accent1"/>
-            </a:effectRef>
-            <a:fontRef idx="minor">
-              <a:schemeClr val="lt1"/>
-            </a:fontRef>
-          </p:style>
-        </p:cxnSp>
-        <p:cxnSp>
-          <p:nvCxnSpPr>
-            <p:cNvPr id="27" name="직선 화살표 연결선 26">
-              <a:extLst>
-                <a:ext uri="{FF2B5EF4-FFF2-40B4-BE49-F238E27FC236}">
-                  <a16:creationId xmlns:a16="http://schemas.microsoft.com/office/drawing/2014/main" xmlns="" id="{B5C1BC1E-1E17-61A4-3A8E-44E3A1540BF4}"/>
-                </a:ext>
-              </a:extLst>
-            </p:cNvPr>
-            <p:cNvCxnSpPr>
-              <a:cxnSpLocks/>
-              <a:stCxn id="15" idx="3"/>
-              <a:endCxn id="17" idx="1"/>
-            </p:cNvCxnSpPr>
-            <p:nvPr/>
-          </p:nvCxnSpPr>
-          <p:spPr>
-            <a:xfrm flipV="1">
-              <a:off x="2306105" y="1205113"/>
-              <a:ext cx="820056" cy="1964549"/>
-            </a:xfrm>
-            <a:prstGeom prst="straightConnector1">
-              <a:avLst/>
-            </a:prstGeom>
-            <a:noFill/>
-            <a:ln w="9525">
-              <a:solidFill>
-                <a:srgbClr val="C00000"/>
-              </a:solidFill>
-              <a:prstDash val="dash"/>
-              <a:headEnd type="none" w="med" len="med"/>
-              <a:tailEnd type="triangle" w="med" len="med"/>
-            </a:ln>
-          </p:spPr>
-          <p:style>
-            <a:lnRef idx="2">
-              <a:schemeClr val="accent1">
-                <a:shade val="15000"/>
-              </a:schemeClr>
-            </a:lnRef>
-            <a:fillRef idx="1">
-              <a:schemeClr val="accent1"/>
-            </a:fillRef>
-            <a:effectRef idx="0">
-              <a:schemeClr val="accent1"/>
-            </a:effectRef>
-            <a:fontRef idx="minor">
-              <a:schemeClr val="lt1"/>
-            </a:fontRef>
-          </p:style>
-        </p:cxnSp>
-        <p:sp>
-          <p:nvSpPr>
-            <p:cNvPr id="35" name="TextBox 34">
-              <a:extLst>
-                <a:ext uri="{FF2B5EF4-FFF2-40B4-BE49-F238E27FC236}">
-                  <a16:creationId xmlns:a16="http://schemas.microsoft.com/office/drawing/2014/main" xmlns="" id="{D8830B79-09BC-8CDB-9727-E5943BB6FE89}"/>
-                </a:ext>
-              </a:extLst>
-            </p:cNvPr>
-            <p:cNvSpPr txBox="1"/>
-            <p:nvPr/>
-          </p:nvSpPr>
-          <p:spPr>
-            <a:xfrm>
-              <a:off x="3041874" y="2036745"/>
-              <a:ext cx="476412" cy="261610"/>
-            </a:xfrm>
-            <a:prstGeom prst="rect">
-              <a:avLst/>
-            </a:prstGeom>
-            <a:noFill/>
-          </p:spPr>
-          <p:txBody>
-            <a:bodyPr wrap="square" rtlCol="0">
-              <a:spAutoFit/>
-            </a:bodyPr>
-            <a:lstStyle/>
-            <a:p>
-              <a:pPr algn="r"/>
-              <a:r>
-                <a:rPr lang="en-GB" sz="1050" b="1">
-                  <a:solidFill>
-                    <a:srgbClr val="C00000"/>
-                  </a:solidFill>
-                </a:rPr>
-                <a:t>Gym</a:t>
-              </a:r>
-            </a:p>
-          </p:txBody>
-        </p:sp>
-        <p:sp>
-          <p:nvSpPr>
-            <p:cNvPr id="36" name="TextBox 35">
-              <a:extLst>
-                <a:ext uri="{FF2B5EF4-FFF2-40B4-BE49-F238E27FC236}">
-                  <a16:creationId xmlns:a16="http://schemas.microsoft.com/office/drawing/2014/main" xmlns="" id="{7498B629-74C3-E041-3949-937534EA26C5}"/>
-                </a:ext>
-              </a:extLst>
-            </p:cNvPr>
-            <p:cNvSpPr txBox="1"/>
-            <p:nvPr/>
-          </p:nvSpPr>
-          <p:spPr>
-            <a:xfrm>
-              <a:off x="2603769" y="2583460"/>
-              <a:ext cx="914517" cy="253916"/>
-            </a:xfrm>
-            <a:prstGeom prst="rect">
-              <a:avLst/>
-            </a:prstGeom>
-            <a:noFill/>
-          </p:spPr>
-          <p:txBody>
-            <a:bodyPr wrap="square" rtlCol="0">
-              <a:spAutoFit/>
-            </a:bodyPr>
-            <a:lstStyle/>
-            <a:p>
-              <a:pPr algn="r"/>
-              <a:r>
-                <a:rPr lang="en-GB" sz="1050" b="1">
-                  <a:solidFill>
-                    <a:srgbClr val="C00000"/>
-                  </a:solidFill>
-                </a:rPr>
-                <a:t>Participant</a:t>
-              </a:r>
-            </a:p>
-          </p:txBody>
-        </p:sp>
-        <p:sp>
-          <p:nvSpPr>
-            <p:cNvPr id="37" name="TextBox 36">
-              <a:extLst>
-                <a:ext uri="{FF2B5EF4-FFF2-40B4-BE49-F238E27FC236}">
-                  <a16:creationId xmlns:a16="http://schemas.microsoft.com/office/drawing/2014/main" xmlns="" id="{9FDE914C-5FA3-AFA6-259A-04E5A8F34950}"/>
-                </a:ext>
-              </a:extLst>
-            </p:cNvPr>
-            <p:cNvSpPr txBox="1"/>
-            <p:nvPr/>
-          </p:nvSpPr>
-          <p:spPr>
-            <a:xfrm>
-              <a:off x="2954634" y="3093423"/>
-              <a:ext cx="563652" cy="253916"/>
-            </a:xfrm>
-            <a:prstGeom prst="rect">
-              <a:avLst/>
-            </a:prstGeom>
-            <a:noFill/>
-          </p:spPr>
-          <p:txBody>
-            <a:bodyPr wrap="square" rtlCol="0">
-              <a:spAutoFit/>
-            </a:bodyPr>
-            <a:lstStyle/>
-            <a:p>
-              <a:pPr algn="r"/>
-              <a:r>
-                <a:rPr lang="en-GB" sz="1050" b="1">
-                  <a:solidFill>
-                    <a:srgbClr val="C00000"/>
-                  </a:solidFill>
-                </a:rPr>
-                <a:t>Room</a:t>
-              </a:r>
-            </a:p>
-          </p:txBody>
-        </p:sp>
-        <p:sp>
-          <p:nvSpPr>
-            <p:cNvPr id="38" name="TextBox 37">
-              <a:extLst>
-                <a:ext uri="{FF2B5EF4-FFF2-40B4-BE49-F238E27FC236}">
-                  <a16:creationId xmlns:a16="http://schemas.microsoft.com/office/drawing/2014/main" xmlns="" id="{113F581A-0233-2534-6D93-86E29AEDE4CC}"/>
-                </a:ext>
-              </a:extLst>
-            </p:cNvPr>
-            <p:cNvSpPr txBox="1"/>
-            <p:nvPr/>
-          </p:nvSpPr>
-          <p:spPr>
-            <a:xfrm>
-              <a:off x="2853570" y="3698050"/>
-              <a:ext cx="664716" cy="253916"/>
-            </a:xfrm>
-            <a:prstGeom prst="rect">
-              <a:avLst/>
-            </a:prstGeom>
-            <a:noFill/>
-          </p:spPr>
-          <p:txBody>
-            <a:bodyPr wrap="square" rtlCol="0">
-              <a:spAutoFit/>
-            </a:bodyPr>
-            <a:lstStyle/>
-            <a:p>
-              <a:pPr algn="r"/>
-              <a:r>
-                <a:rPr lang="en-GB" sz="1050" b="1">
-                  <a:solidFill>
-                    <a:srgbClr val="C00000"/>
-                  </a:solidFill>
-                </a:rPr>
-                <a:t>Session</a:t>
-              </a:r>
-            </a:p>
-          </p:txBody>
-        </p:sp>
-        <p:sp>
-          <p:nvSpPr>
-            <p:cNvPr id="39" name="TextBox 38">
-              <a:extLst>
-                <a:ext uri="{FF2B5EF4-FFF2-40B4-BE49-F238E27FC236}">
-                  <a16:creationId xmlns:a16="http://schemas.microsoft.com/office/drawing/2014/main" xmlns="" id="{F25C8F7E-30D4-B9FE-AEB9-A77ADB4D298F}"/>
-                </a:ext>
-              </a:extLst>
-            </p:cNvPr>
-            <p:cNvSpPr txBox="1"/>
-            <p:nvPr/>
-          </p:nvSpPr>
-          <p:spPr>
-            <a:xfrm>
-              <a:off x="2501183" y="4589436"/>
-              <a:ext cx="1017103" cy="253916"/>
-            </a:xfrm>
-            <a:prstGeom prst="rect">
-              <a:avLst/>
-            </a:prstGeom>
-            <a:noFill/>
-          </p:spPr>
-          <p:txBody>
-            <a:bodyPr wrap="square" rtlCol="0">
-              <a:spAutoFit/>
-            </a:bodyPr>
-            <a:lstStyle/>
-            <a:p>
-              <a:pPr algn="r"/>
-              <a:r>
-                <a:rPr lang="en-GB" sz="1050" b="1">
-                  <a:solidFill>
-                    <a:srgbClr val="C00000"/>
-                  </a:solidFill>
-                </a:rPr>
-                <a:t>Subscription</a:t>
-              </a:r>
-            </a:p>
-          </p:txBody>
-        </p:sp>
-        <p:sp>
-          <p:nvSpPr>
-            <p:cNvPr id="40" name="TextBox 39">
-              <a:extLst>
-                <a:ext uri="{FF2B5EF4-FFF2-40B4-BE49-F238E27FC236}">
-                  <a16:creationId xmlns:a16="http://schemas.microsoft.com/office/drawing/2014/main" xmlns="" id="{4B4EE0E5-4F34-6D6E-9AFA-A99ACF0C4844}"/>
-                </a:ext>
-              </a:extLst>
-            </p:cNvPr>
-            <p:cNvSpPr txBox="1"/>
-            <p:nvPr/>
-          </p:nvSpPr>
-          <p:spPr>
-            <a:xfrm>
-              <a:off x="2838862" y="5357049"/>
+              <a:off x="3110810" y="5499389"/>
               <a:ext cx="679424" cy="253916"/>
             </a:xfrm>
             <a:prstGeom prst="rect">
@@ -4099,7 +4107,7 @@
             <p:cNvPr id="44" name="직사각형 43">
               <a:extLst>
                 <a:ext uri="{FF2B5EF4-FFF2-40B4-BE49-F238E27FC236}">
-                  <a16:creationId xmlns:a16="http://schemas.microsoft.com/office/drawing/2014/main" xmlns="" id="{C0FDBE82-B2E2-7FD9-EC54-A0E99099BEA6}"/>
+                  <a16:creationId xmlns:a16="http://schemas.microsoft.com/office/drawing/2014/main" id="{C0FDBE82-B2E2-7FD9-EC54-A0E99099BEA6}"/>
                 </a:ext>
               </a:extLst>
             </p:cNvPr>
@@ -4108,7 +4116,7 @@
           </p:nvSpPr>
           <p:spPr>
             <a:xfrm>
-              <a:off x="2792998" y="5420670"/>
+              <a:off x="3019082" y="5499389"/>
               <a:ext cx="771152" cy="253916"/>
             </a:xfrm>
             <a:prstGeom prst="rect">
@@ -4144,85 +4152,85 @@
             </a:p>
           </p:txBody>
         </p:sp>
-        <p:sp>
-          <p:nvSpPr>
-            <p:cNvPr id="53" name="TextBox 52">
-              <a:extLst>
-                <a:ext uri="{FF2B5EF4-FFF2-40B4-BE49-F238E27FC236}">
-                  <a16:creationId xmlns:a16="http://schemas.microsoft.com/office/drawing/2014/main" xmlns="" id="{90CE65EC-1C12-738C-BF13-925A288D2CDE}"/>
-                </a:ext>
-              </a:extLst>
-            </p:cNvPr>
-            <p:cNvSpPr txBox="1"/>
-            <p:nvPr/>
-          </p:nvSpPr>
-          <p:spPr>
-            <a:xfrm>
-              <a:off x="4281593" y="812815"/>
-              <a:ext cx="1558440" cy="369332"/>
-            </a:xfrm>
-            <a:prstGeom prst="rect">
-              <a:avLst/>
-            </a:prstGeom>
-            <a:noFill/>
-          </p:spPr>
-          <p:txBody>
-            <a:bodyPr wrap="none" rtlCol="0">
-              <a:spAutoFit/>
-            </a:bodyPr>
-            <a:lstStyle/>
-            <a:p>
-              <a:r>
-                <a:rPr lang="en-GB" b="1">
-                  <a:solidFill>
-                    <a:srgbClr val="C00000"/>
-                  </a:solidFill>
-                </a:rPr>
-                <a:t>Abstractions</a:t>
-              </a:r>
-            </a:p>
-          </p:txBody>
-        </p:sp>
-        <p:sp>
-          <p:nvSpPr>
-            <p:cNvPr id="41" name="TextBox 40">
-              <a:extLst>
-                <a:ext uri="{FF2B5EF4-FFF2-40B4-BE49-F238E27FC236}">
-                  <a16:creationId xmlns:a16="http://schemas.microsoft.com/office/drawing/2014/main" xmlns="" id="{90CE65EC-1C12-738C-BF13-925A288D2CDE}"/>
-                </a:ext>
-              </a:extLst>
-            </p:cNvPr>
-            <p:cNvSpPr txBox="1"/>
-            <p:nvPr/>
-          </p:nvSpPr>
-          <p:spPr>
-            <a:xfrm>
-              <a:off x="4281593" y="1784365"/>
-              <a:ext cx="1960345" cy="369332"/>
-            </a:xfrm>
-            <a:prstGeom prst="rect">
-              <a:avLst/>
-            </a:prstGeom>
-            <a:noFill/>
-          </p:spPr>
-          <p:txBody>
-            <a:bodyPr wrap="none" rtlCol="0">
-              <a:spAutoFit/>
-            </a:bodyPr>
-            <a:lstStyle/>
-            <a:p>
-              <a:r>
-                <a:rPr lang="en-GB" b="1">
-                  <a:solidFill>
-                    <a:srgbClr val="C00000"/>
-                  </a:solidFill>
-                </a:rPr>
-                <a:t>AggregateRoots</a:t>
-              </a:r>
-            </a:p>
-          </p:txBody>
-        </p:sp>
       </p:grpSp>
+      <p:sp>
+        <p:nvSpPr>
+          <p:cNvPr id="53" name="TextBox 52">
+            <a:extLst>
+              <a:ext uri="{FF2B5EF4-FFF2-40B4-BE49-F238E27FC236}">
+                <a16:creationId xmlns:a16="http://schemas.microsoft.com/office/drawing/2014/main" id="{90CE65EC-1C12-738C-BF13-925A288D2CDE}"/>
+              </a:ext>
+            </a:extLst>
+          </p:cNvPr>
+          <p:cNvSpPr txBox="1"/>
+          <p:nvPr/>
+        </p:nvSpPr>
+        <p:spPr>
+          <a:xfrm>
+            <a:off x="4507677" y="812815"/>
+            <a:ext cx="1558440" cy="369332"/>
+          </a:xfrm>
+          <a:prstGeom prst="rect">
+            <a:avLst/>
+          </a:prstGeom>
+          <a:noFill/>
+        </p:spPr>
+        <p:txBody>
+          <a:bodyPr wrap="none" rtlCol="0">
+            <a:spAutoFit/>
+          </a:bodyPr>
+          <a:lstStyle/>
+          <a:p>
+            <a:r>
+              <a:rPr lang="en-GB" b="1">
+                <a:solidFill>
+                  <a:srgbClr val="C00000"/>
+                </a:solidFill>
+              </a:rPr>
+              <a:t>Abstractions</a:t>
+            </a:r>
+          </a:p>
+        </p:txBody>
+      </p:sp>
+      <p:sp>
+        <p:nvSpPr>
+          <p:cNvPr id="41" name="TextBox 40">
+            <a:extLst>
+              <a:ext uri="{FF2B5EF4-FFF2-40B4-BE49-F238E27FC236}">
+                <a16:creationId xmlns:a16="http://schemas.microsoft.com/office/drawing/2014/main" id="{90CE65EC-1C12-738C-BF13-925A288D2CDE}"/>
+              </a:ext>
+            </a:extLst>
+          </p:cNvPr>
+          <p:cNvSpPr txBox="1"/>
+          <p:nvPr/>
+        </p:nvSpPr>
+        <p:spPr>
+          <a:xfrm>
+            <a:off x="4507677" y="1784365"/>
+            <a:ext cx="1960345" cy="369332"/>
+          </a:xfrm>
+          <a:prstGeom prst="rect">
+            <a:avLst/>
+          </a:prstGeom>
+          <a:noFill/>
+        </p:spPr>
+        <p:txBody>
+          <a:bodyPr wrap="none" rtlCol="0">
+            <a:spAutoFit/>
+          </a:bodyPr>
+          <a:lstStyle/>
+          <a:p>
+            <a:r>
+              <a:rPr lang="en-GB" b="1">
+                <a:solidFill>
+                  <a:srgbClr val="C00000"/>
+                </a:solidFill>
+              </a:rPr>
+              <a:t>AggregateRoots</a:t>
+            </a:r>
+          </a:p>
+        </p:txBody>
+      </p:sp>
     </p:spTree>
     <p:extLst>
       <p:ext uri="{BB962C8B-B14F-4D97-AF65-F5344CB8AC3E}">
@@ -4237,6 +4245,1285 @@
 </file>
 
 <file path=ppt/slides/slide2.xml><?xml version="1.0" encoding="utf-8"?>
+<p:sld xmlns:a="http://schemas.openxmlformats.org/drawingml/2006/main" xmlns:r="http://schemas.openxmlformats.org/officeDocument/2006/relationships" xmlns:p="http://schemas.openxmlformats.org/presentationml/2006/main">
+  <p:cSld>
+    <p:spTree>
+      <p:nvGrpSpPr>
+        <p:cNvPr id="1" name="">
+          <a:extLst>
+            <a:ext uri="{FF2B5EF4-FFF2-40B4-BE49-F238E27FC236}">
+              <a16:creationId xmlns:a16="http://schemas.microsoft.com/office/drawing/2014/main" id="{FBBF56B6-E1E4-4508-2E1A-098A2207AEEE}"/>
+            </a:ext>
+          </a:extLst>
+        </p:cNvPr>
+        <p:cNvGrpSpPr/>
+        <p:nvPr/>
+      </p:nvGrpSpPr>
+      <p:grpSpPr>
+        <a:xfrm>
+          <a:off x="0" y="0"/>
+          <a:ext cx="0" cy="0"/>
+          <a:chOff x="0" y="0"/>
+          <a:chExt cx="0" cy="0"/>
+        </a:xfrm>
+      </p:grpSpPr>
+      <p:pic>
+        <p:nvPicPr>
+          <p:cNvPr id="7" name="그림 6">
+            <a:extLst>
+              <a:ext uri="{FF2B5EF4-FFF2-40B4-BE49-F238E27FC236}">
+                <a16:creationId xmlns:a16="http://schemas.microsoft.com/office/drawing/2014/main" id="{3D81DE35-E9D8-2FD1-C609-CE6FA5BE99BA}"/>
+              </a:ext>
+            </a:extLst>
+          </p:cNvPr>
+          <p:cNvPicPr>
+            <a:picLocks noChangeAspect="1"/>
+          </p:cNvPicPr>
+          <p:nvPr/>
+        </p:nvPicPr>
+        <p:blipFill>
+          <a:blip r:embed="rId2"/>
+          <a:stretch>
+            <a:fillRect/>
+          </a:stretch>
+        </p:blipFill>
+        <p:spPr>
+          <a:xfrm>
+            <a:off x="6531710" y="66247"/>
+            <a:ext cx="3425762" cy="6725507"/>
+          </a:xfrm>
+          <a:prstGeom prst="rect">
+            <a:avLst/>
+          </a:prstGeom>
+        </p:spPr>
+      </p:pic>
+      <p:sp>
+        <p:nvSpPr>
+          <p:cNvPr id="30" name="직사각형 29">
+            <a:extLst>
+              <a:ext uri="{FF2B5EF4-FFF2-40B4-BE49-F238E27FC236}">
+                <a16:creationId xmlns:a16="http://schemas.microsoft.com/office/drawing/2014/main" id="{114BC86B-1EEB-0327-65D9-CCBC4DF2821E}"/>
+              </a:ext>
+            </a:extLst>
+          </p:cNvPr>
+          <p:cNvSpPr/>
+          <p:nvPr/>
+        </p:nvSpPr>
+        <p:spPr>
+          <a:xfrm>
+            <a:off x="6787662" y="1113746"/>
+            <a:ext cx="2952377" cy="894920"/>
+          </a:xfrm>
+          <a:prstGeom prst="rect">
+            <a:avLst/>
+          </a:prstGeom>
+          <a:noFill/>
+          <a:ln w="9525">
+            <a:solidFill>
+              <a:srgbClr val="C00000"/>
+            </a:solidFill>
+            <a:prstDash val="dash"/>
+          </a:ln>
+        </p:spPr>
+        <p:style>
+          <a:lnRef idx="2">
+            <a:schemeClr val="accent1">
+              <a:shade val="15000"/>
+            </a:schemeClr>
+          </a:lnRef>
+          <a:fillRef idx="1">
+            <a:schemeClr val="accent1"/>
+          </a:fillRef>
+          <a:effectRef idx="0">
+            <a:schemeClr val="accent1"/>
+          </a:effectRef>
+          <a:fontRef idx="minor">
+            <a:schemeClr val="lt1"/>
+          </a:fontRef>
+        </p:style>
+        <p:txBody>
+          <a:bodyPr rtlCol="0" anchor="ctr"/>
+          <a:lstStyle/>
+          <a:p>
+            <a:pPr algn="ctr"/>
+            <a:endParaRPr lang="en-GB"/>
+          </a:p>
+        </p:txBody>
+      </p:sp>
+      <p:cxnSp>
+        <p:nvCxnSpPr>
+          <p:cNvPr id="31" name="직선 연결선 30">
+            <a:extLst>
+              <a:ext uri="{FF2B5EF4-FFF2-40B4-BE49-F238E27FC236}">
+                <a16:creationId xmlns:a16="http://schemas.microsoft.com/office/drawing/2014/main" id="{41793617-3515-DBE7-DE09-3927A1121972}"/>
+              </a:ext>
+            </a:extLst>
+          </p:cNvPr>
+          <p:cNvCxnSpPr>
+            <a:cxnSpLocks/>
+          </p:cNvCxnSpPr>
+          <p:nvPr/>
+        </p:nvCxnSpPr>
+        <p:spPr>
+          <a:xfrm>
+            <a:off x="7163128" y="5415608"/>
+            <a:ext cx="0" cy="968585"/>
+          </a:xfrm>
+          <a:prstGeom prst="line">
+            <a:avLst/>
+          </a:prstGeom>
+          <a:ln w="28575">
+            <a:solidFill>
+              <a:srgbClr val="C00000"/>
+            </a:solidFill>
+          </a:ln>
+        </p:spPr>
+        <p:style>
+          <a:lnRef idx="1">
+            <a:schemeClr val="accent1"/>
+          </a:lnRef>
+          <a:fillRef idx="0">
+            <a:schemeClr val="accent1"/>
+          </a:fillRef>
+          <a:effectRef idx="0">
+            <a:schemeClr val="accent1"/>
+          </a:effectRef>
+          <a:fontRef idx="minor">
+            <a:schemeClr val="tx1"/>
+          </a:fontRef>
+        </p:style>
+      </p:cxnSp>
+      <p:pic>
+        <p:nvPicPr>
+          <p:cNvPr id="34" name="그림 33">
+            <a:extLst>
+              <a:ext uri="{FF2B5EF4-FFF2-40B4-BE49-F238E27FC236}">
+                <a16:creationId xmlns:a16="http://schemas.microsoft.com/office/drawing/2014/main" id="{FA1A35A5-611D-7001-2FDF-D1EC6CBC606A}"/>
+              </a:ext>
+            </a:extLst>
+          </p:cNvPr>
+          <p:cNvPicPr>
+            <a:picLocks noChangeAspect="1"/>
+          </p:cNvPicPr>
+          <p:nvPr/>
+        </p:nvPicPr>
+        <p:blipFill>
+          <a:blip r:embed="rId3"/>
+          <a:stretch>
+            <a:fillRect/>
+          </a:stretch>
+        </p:blipFill>
+        <p:spPr>
+          <a:xfrm>
+            <a:off x="9139393" y="4058299"/>
+            <a:ext cx="2898994" cy="2597499"/>
+          </a:xfrm>
+          <a:prstGeom prst="rect">
+            <a:avLst/>
+          </a:prstGeom>
+          <a:ln>
+            <a:solidFill>
+              <a:srgbClr val="C00000"/>
+            </a:solidFill>
+          </a:ln>
+        </p:spPr>
+      </p:pic>
+      <p:cxnSp>
+        <p:nvCxnSpPr>
+          <p:cNvPr id="42" name="연결선: 꺾임 41">
+            <a:extLst>
+              <a:ext uri="{FF2B5EF4-FFF2-40B4-BE49-F238E27FC236}">
+                <a16:creationId xmlns:a16="http://schemas.microsoft.com/office/drawing/2014/main" id="{0B3BF550-3EC2-C8D7-F2D7-0C7694FE9A75}"/>
+              </a:ext>
+            </a:extLst>
+          </p:cNvPr>
+          <p:cNvCxnSpPr>
+            <a:cxnSpLocks/>
+            <a:stCxn id="44" idx="2"/>
+            <a:endCxn id="49" idx="1"/>
+          </p:cNvCxnSpPr>
+          <p:nvPr/>
+        </p:nvCxnSpPr>
+        <p:spPr>
+          <a:xfrm rot="16200000" flipH="1">
+            <a:off x="5058194" y="3794966"/>
+            <a:ext cx="225314" cy="3984554"/>
+          </a:xfrm>
+          <a:prstGeom prst="bentConnector2">
+            <a:avLst/>
+          </a:prstGeom>
+          <a:ln w="19050">
+            <a:solidFill>
+              <a:srgbClr val="C00000"/>
+            </a:solidFill>
+            <a:tailEnd type="triangle"/>
+          </a:ln>
+        </p:spPr>
+        <p:style>
+          <a:lnRef idx="1">
+            <a:schemeClr val="accent1"/>
+          </a:lnRef>
+          <a:fillRef idx="0">
+            <a:schemeClr val="accent1"/>
+          </a:fillRef>
+          <a:effectRef idx="0">
+            <a:schemeClr val="accent1"/>
+          </a:effectRef>
+          <a:fontRef idx="minor">
+            <a:schemeClr val="tx1"/>
+          </a:fontRef>
+        </p:style>
+      </p:cxnSp>
+      <p:sp>
+        <p:nvSpPr>
+          <p:cNvPr id="49" name="직사각형 48">
+            <a:extLst>
+              <a:ext uri="{FF2B5EF4-FFF2-40B4-BE49-F238E27FC236}">
+                <a16:creationId xmlns:a16="http://schemas.microsoft.com/office/drawing/2014/main" id="{71DC4281-AFE9-7100-AC3D-FFA4185DF5DD}"/>
+              </a:ext>
+            </a:extLst>
+          </p:cNvPr>
+          <p:cNvSpPr/>
+          <p:nvPr/>
+        </p:nvSpPr>
+        <p:spPr>
+          <a:xfrm>
+            <a:off x="7163128" y="5592747"/>
+            <a:ext cx="296920" cy="614306"/>
+          </a:xfrm>
+          <a:prstGeom prst="rect">
+            <a:avLst/>
+          </a:prstGeom>
+          <a:noFill/>
+          <a:ln>
+            <a:noFill/>
+          </a:ln>
+        </p:spPr>
+        <p:style>
+          <a:lnRef idx="2">
+            <a:schemeClr val="accent1">
+              <a:shade val="15000"/>
+            </a:schemeClr>
+          </a:lnRef>
+          <a:fillRef idx="1">
+            <a:schemeClr val="accent1"/>
+          </a:fillRef>
+          <a:effectRef idx="0">
+            <a:schemeClr val="accent1"/>
+          </a:effectRef>
+          <a:fontRef idx="minor">
+            <a:schemeClr val="lt1"/>
+          </a:fontRef>
+        </p:style>
+        <p:txBody>
+          <a:bodyPr rtlCol="0" anchor="ctr"/>
+          <a:lstStyle/>
+          <a:p>
+            <a:pPr algn="ctr"/>
+            <a:endParaRPr lang="en-GB"/>
+          </a:p>
+        </p:txBody>
+      </p:sp>
+      <p:sp>
+        <p:nvSpPr>
+          <p:cNvPr id="54" name="TextBox 53">
+            <a:extLst>
+              <a:ext uri="{FF2B5EF4-FFF2-40B4-BE49-F238E27FC236}">
+                <a16:creationId xmlns:a16="http://schemas.microsoft.com/office/drawing/2014/main" id="{0C93876F-5A4B-2129-3064-286CC9904EE2}"/>
+              </a:ext>
+            </a:extLst>
+          </p:cNvPr>
+          <p:cNvSpPr txBox="1"/>
+          <p:nvPr/>
+        </p:nvSpPr>
+        <p:spPr>
+          <a:xfrm>
+            <a:off x="8686687" y="1072511"/>
+            <a:ext cx="1558440" cy="369332"/>
+          </a:xfrm>
+          <a:prstGeom prst="rect">
+            <a:avLst/>
+          </a:prstGeom>
+          <a:noFill/>
+        </p:spPr>
+        <p:txBody>
+          <a:bodyPr wrap="none" rtlCol="0">
+            <a:spAutoFit/>
+          </a:bodyPr>
+          <a:lstStyle/>
+          <a:p>
+            <a:r>
+              <a:rPr lang="en-GB" b="1">
+                <a:solidFill>
+                  <a:srgbClr val="C00000"/>
+                </a:solidFill>
+              </a:rPr>
+              <a:t>Abstractions</a:t>
+            </a:r>
+          </a:p>
+        </p:txBody>
+      </p:sp>
+      <p:pic>
+        <p:nvPicPr>
+          <p:cNvPr id="2" name="그림 1">
+            <a:extLst>
+              <a:ext uri="{FF2B5EF4-FFF2-40B4-BE49-F238E27FC236}">
+                <a16:creationId xmlns:a16="http://schemas.microsoft.com/office/drawing/2014/main" id="{510383A2-A511-2C52-E862-1AC51CD24C5E}"/>
+              </a:ext>
+            </a:extLst>
+          </p:cNvPr>
+          <p:cNvPicPr>
+            <a:picLocks noChangeAspect="1"/>
+          </p:cNvPicPr>
+          <p:nvPr/>
+        </p:nvPicPr>
+        <p:blipFill>
+          <a:blip r:embed="rId4"/>
+          <a:stretch>
+            <a:fillRect/>
+          </a:stretch>
+        </p:blipFill>
+        <p:spPr>
+          <a:xfrm>
+            <a:off x="2905424" y="66247"/>
+            <a:ext cx="3453455" cy="5817317"/>
+          </a:xfrm>
+          <a:prstGeom prst="rect">
+            <a:avLst/>
+          </a:prstGeom>
+        </p:spPr>
+      </p:pic>
+      <p:pic>
+        <p:nvPicPr>
+          <p:cNvPr id="8" name="그림 7">
+            <a:extLst>
+              <a:ext uri="{FF2B5EF4-FFF2-40B4-BE49-F238E27FC236}">
+                <a16:creationId xmlns:a16="http://schemas.microsoft.com/office/drawing/2014/main" id="{A9E48B20-D456-D054-DDD1-9E377C19087F}"/>
+              </a:ext>
+            </a:extLst>
+          </p:cNvPr>
+          <p:cNvPicPr>
+            <a:picLocks noChangeAspect="1"/>
+          </p:cNvPicPr>
+          <p:nvPr/>
+        </p:nvPicPr>
+        <p:blipFill>
+          <a:blip r:embed="rId5"/>
+          <a:stretch>
+            <a:fillRect/>
+          </a:stretch>
+        </p:blipFill>
+        <p:spPr>
+          <a:xfrm>
+            <a:off x="153614" y="66247"/>
+            <a:ext cx="2552986" cy="3757136"/>
+          </a:xfrm>
+          <a:prstGeom prst="rect">
+            <a:avLst/>
+          </a:prstGeom>
+        </p:spPr>
+      </p:pic>
+      <p:sp>
+        <p:nvSpPr>
+          <p:cNvPr id="15" name="직사각형 14">
+            <a:extLst>
+              <a:ext uri="{FF2B5EF4-FFF2-40B4-BE49-F238E27FC236}">
+                <a16:creationId xmlns:a16="http://schemas.microsoft.com/office/drawing/2014/main" id="{04081B51-A3E1-FCBE-6E2F-E3349AA94BEE}"/>
+              </a:ext>
+            </a:extLst>
+          </p:cNvPr>
+          <p:cNvSpPr/>
+          <p:nvPr/>
+        </p:nvSpPr>
+        <p:spPr>
+          <a:xfrm>
+            <a:off x="311511" y="3088053"/>
+            <a:ext cx="1994594" cy="163218"/>
+          </a:xfrm>
+          <a:prstGeom prst="rect">
+            <a:avLst/>
+          </a:prstGeom>
+          <a:noFill/>
+          <a:ln w="9525">
+            <a:solidFill>
+              <a:srgbClr val="C00000"/>
+            </a:solidFill>
+            <a:prstDash val="dash"/>
+          </a:ln>
+        </p:spPr>
+        <p:style>
+          <a:lnRef idx="2">
+            <a:schemeClr val="accent1">
+              <a:shade val="15000"/>
+            </a:schemeClr>
+          </a:lnRef>
+          <a:fillRef idx="1">
+            <a:schemeClr val="accent1"/>
+          </a:fillRef>
+          <a:effectRef idx="0">
+            <a:schemeClr val="accent1"/>
+          </a:effectRef>
+          <a:fontRef idx="minor">
+            <a:schemeClr val="lt1"/>
+          </a:fontRef>
+        </p:style>
+        <p:txBody>
+          <a:bodyPr rtlCol="0" anchor="ctr"/>
+          <a:lstStyle/>
+          <a:p>
+            <a:pPr algn="ctr"/>
+            <a:endParaRPr lang="en-GB"/>
+          </a:p>
+        </p:txBody>
+      </p:sp>
+      <p:sp>
+        <p:nvSpPr>
+          <p:cNvPr id="16" name="직사각형 15">
+            <a:extLst>
+              <a:ext uri="{FF2B5EF4-FFF2-40B4-BE49-F238E27FC236}">
+                <a16:creationId xmlns:a16="http://schemas.microsoft.com/office/drawing/2014/main" id="{0CB71511-7939-5C45-CB70-734AA65D192E}"/>
+              </a:ext>
+            </a:extLst>
+          </p:cNvPr>
+          <p:cNvSpPr/>
+          <p:nvPr/>
+        </p:nvSpPr>
+        <p:spPr>
+          <a:xfrm>
+            <a:off x="311511" y="2016926"/>
+            <a:ext cx="1994594" cy="163218"/>
+          </a:xfrm>
+          <a:prstGeom prst="rect">
+            <a:avLst/>
+          </a:prstGeom>
+          <a:noFill/>
+          <a:ln w="9525">
+            <a:solidFill>
+              <a:srgbClr val="C00000"/>
+            </a:solidFill>
+            <a:prstDash val="dash"/>
+          </a:ln>
+        </p:spPr>
+        <p:style>
+          <a:lnRef idx="2">
+            <a:schemeClr val="accent1">
+              <a:shade val="15000"/>
+            </a:schemeClr>
+          </a:lnRef>
+          <a:fillRef idx="1">
+            <a:schemeClr val="accent1"/>
+          </a:fillRef>
+          <a:effectRef idx="0">
+            <a:schemeClr val="accent1"/>
+          </a:effectRef>
+          <a:fontRef idx="minor">
+            <a:schemeClr val="lt1"/>
+          </a:fontRef>
+        </p:style>
+        <p:txBody>
+          <a:bodyPr rtlCol="0" anchor="ctr"/>
+          <a:lstStyle/>
+          <a:p>
+            <a:pPr algn="ctr"/>
+            <a:endParaRPr lang="en-GB"/>
+          </a:p>
+        </p:txBody>
+      </p:sp>
+      <p:sp>
+        <p:nvSpPr>
+          <p:cNvPr id="17" name="직사각형 16">
+            <a:extLst>
+              <a:ext uri="{FF2B5EF4-FFF2-40B4-BE49-F238E27FC236}">
+                <a16:creationId xmlns:a16="http://schemas.microsoft.com/office/drawing/2014/main" id="{6D931408-792F-CDEA-9E09-AA5C7E6F27CF}"/>
+              </a:ext>
+            </a:extLst>
+          </p:cNvPr>
+          <p:cNvSpPr/>
+          <p:nvPr/>
+        </p:nvSpPr>
+        <p:spPr>
+          <a:xfrm>
+            <a:off x="3126161" y="782990"/>
+            <a:ext cx="2179910" cy="844246"/>
+          </a:xfrm>
+          <a:prstGeom prst="rect">
+            <a:avLst/>
+          </a:prstGeom>
+          <a:noFill/>
+          <a:ln w="9525">
+            <a:solidFill>
+              <a:srgbClr val="C00000"/>
+            </a:solidFill>
+            <a:prstDash val="dash"/>
+          </a:ln>
+        </p:spPr>
+        <p:style>
+          <a:lnRef idx="2">
+            <a:schemeClr val="accent1">
+              <a:shade val="15000"/>
+            </a:schemeClr>
+          </a:lnRef>
+          <a:fillRef idx="1">
+            <a:schemeClr val="accent1"/>
+          </a:fillRef>
+          <a:effectRef idx="0">
+            <a:schemeClr val="accent1"/>
+          </a:effectRef>
+          <a:fontRef idx="minor">
+            <a:schemeClr val="lt1"/>
+          </a:fontRef>
+        </p:style>
+        <p:txBody>
+          <a:bodyPr rtlCol="0" anchor="ctr"/>
+          <a:lstStyle/>
+          <a:p>
+            <a:pPr algn="ctr"/>
+            <a:endParaRPr lang="en-GB"/>
+          </a:p>
+        </p:txBody>
+      </p:sp>
+      <p:cxnSp>
+        <p:nvCxnSpPr>
+          <p:cNvPr id="18" name="직선 연결선 17">
+            <a:extLst>
+              <a:ext uri="{FF2B5EF4-FFF2-40B4-BE49-F238E27FC236}">
+                <a16:creationId xmlns:a16="http://schemas.microsoft.com/office/drawing/2014/main" id="{8A19EB70-51DC-29D9-5C5E-A4BF30FB7F0D}"/>
+              </a:ext>
+            </a:extLst>
+          </p:cNvPr>
+          <p:cNvCxnSpPr>
+            <a:cxnSpLocks/>
+          </p:cNvCxnSpPr>
+          <p:nvPr/>
+        </p:nvCxnSpPr>
+        <p:spPr>
+          <a:xfrm>
+            <a:off x="1677826" y="843415"/>
+            <a:ext cx="0" cy="246184"/>
+          </a:xfrm>
+          <a:prstGeom prst="line">
+            <a:avLst/>
+          </a:prstGeom>
+          <a:ln w="28575">
+            <a:solidFill>
+              <a:srgbClr val="C00000"/>
+            </a:solidFill>
+          </a:ln>
+        </p:spPr>
+        <p:style>
+          <a:lnRef idx="1">
+            <a:schemeClr val="accent1"/>
+          </a:lnRef>
+          <a:fillRef idx="0">
+            <a:schemeClr val="accent1"/>
+          </a:fillRef>
+          <a:effectRef idx="0">
+            <a:schemeClr val="accent1"/>
+          </a:effectRef>
+          <a:fontRef idx="minor">
+            <a:schemeClr val="tx1"/>
+          </a:fontRef>
+        </p:style>
+      </p:cxnSp>
+      <p:cxnSp>
+        <p:nvCxnSpPr>
+          <p:cNvPr id="19" name="직선 연결선 18">
+            <a:extLst>
+              <a:ext uri="{FF2B5EF4-FFF2-40B4-BE49-F238E27FC236}">
+                <a16:creationId xmlns:a16="http://schemas.microsoft.com/office/drawing/2014/main" id="{E5810EFB-67A1-73E0-85C8-D28788132153}"/>
+              </a:ext>
+            </a:extLst>
+          </p:cNvPr>
+          <p:cNvCxnSpPr>
+            <a:cxnSpLocks/>
+          </p:cNvCxnSpPr>
+          <p:nvPr/>
+        </p:nvCxnSpPr>
+        <p:spPr>
+          <a:xfrm>
+            <a:off x="1985007" y="1372051"/>
+            <a:ext cx="0" cy="246184"/>
+          </a:xfrm>
+          <a:prstGeom prst="line">
+            <a:avLst/>
+          </a:prstGeom>
+          <a:ln w="28575">
+            <a:solidFill>
+              <a:srgbClr val="C00000"/>
+            </a:solidFill>
+          </a:ln>
+        </p:spPr>
+        <p:style>
+          <a:lnRef idx="1">
+            <a:schemeClr val="accent1"/>
+          </a:lnRef>
+          <a:fillRef idx="0">
+            <a:schemeClr val="accent1"/>
+          </a:fillRef>
+          <a:effectRef idx="0">
+            <a:schemeClr val="accent1"/>
+          </a:effectRef>
+          <a:fontRef idx="minor">
+            <a:schemeClr val="tx1"/>
+          </a:fontRef>
+        </p:style>
+      </p:cxnSp>
+      <p:cxnSp>
+        <p:nvCxnSpPr>
+          <p:cNvPr id="20" name="직선 연결선 19">
+            <a:extLst>
+              <a:ext uri="{FF2B5EF4-FFF2-40B4-BE49-F238E27FC236}">
+                <a16:creationId xmlns:a16="http://schemas.microsoft.com/office/drawing/2014/main" id="{93B3B309-5E18-AD14-1160-23D5B96DE4EC}"/>
+              </a:ext>
+            </a:extLst>
+          </p:cNvPr>
+          <p:cNvCxnSpPr>
+            <a:cxnSpLocks/>
+          </p:cNvCxnSpPr>
+          <p:nvPr/>
+        </p:nvCxnSpPr>
+        <p:spPr>
+          <a:xfrm>
+            <a:off x="1749263" y="1724476"/>
+            <a:ext cx="0" cy="246184"/>
+          </a:xfrm>
+          <a:prstGeom prst="line">
+            <a:avLst/>
+          </a:prstGeom>
+          <a:ln w="28575">
+            <a:solidFill>
+              <a:srgbClr val="C00000"/>
+            </a:solidFill>
+          </a:ln>
+        </p:spPr>
+        <p:style>
+          <a:lnRef idx="1">
+            <a:schemeClr val="accent1"/>
+          </a:lnRef>
+          <a:fillRef idx="0">
+            <a:schemeClr val="accent1"/>
+          </a:fillRef>
+          <a:effectRef idx="0">
+            <a:schemeClr val="accent1"/>
+          </a:effectRef>
+          <a:fontRef idx="minor">
+            <a:schemeClr val="tx1"/>
+          </a:fontRef>
+        </p:style>
+      </p:cxnSp>
+      <p:cxnSp>
+        <p:nvCxnSpPr>
+          <p:cNvPr id="21" name="직선 연결선 20">
+            <a:extLst>
+              <a:ext uri="{FF2B5EF4-FFF2-40B4-BE49-F238E27FC236}">
+                <a16:creationId xmlns:a16="http://schemas.microsoft.com/office/drawing/2014/main" id="{7E2E8EB2-9D0B-B549-3BFA-8AF79E087714}"/>
+              </a:ext>
+            </a:extLst>
+          </p:cNvPr>
+          <p:cNvCxnSpPr>
+            <a:cxnSpLocks/>
+          </p:cNvCxnSpPr>
+          <p:nvPr/>
+        </p:nvCxnSpPr>
+        <p:spPr>
+          <a:xfrm>
+            <a:off x="1808793" y="2260258"/>
+            <a:ext cx="0" cy="246184"/>
+          </a:xfrm>
+          <a:prstGeom prst="line">
+            <a:avLst/>
+          </a:prstGeom>
+          <a:ln w="28575">
+            <a:solidFill>
+              <a:srgbClr val="C00000"/>
+            </a:solidFill>
+          </a:ln>
+        </p:spPr>
+        <p:style>
+          <a:lnRef idx="1">
+            <a:schemeClr val="accent1"/>
+          </a:lnRef>
+          <a:fillRef idx="0">
+            <a:schemeClr val="accent1"/>
+          </a:fillRef>
+          <a:effectRef idx="0">
+            <a:schemeClr val="accent1"/>
+          </a:effectRef>
+          <a:fontRef idx="minor">
+            <a:schemeClr val="tx1"/>
+          </a:fontRef>
+        </p:style>
+      </p:cxnSp>
+      <p:cxnSp>
+        <p:nvCxnSpPr>
+          <p:cNvPr id="22" name="직선 연결선 21">
+            <a:extLst>
+              <a:ext uri="{FF2B5EF4-FFF2-40B4-BE49-F238E27FC236}">
+                <a16:creationId xmlns:a16="http://schemas.microsoft.com/office/drawing/2014/main" id="{58E15752-E06B-C701-F174-9DC22A63ACD2}"/>
+              </a:ext>
+            </a:extLst>
+          </p:cNvPr>
+          <p:cNvCxnSpPr>
+            <a:cxnSpLocks/>
+          </p:cNvCxnSpPr>
+          <p:nvPr/>
+        </p:nvCxnSpPr>
+        <p:spPr>
+          <a:xfrm>
+            <a:off x="2132643" y="2607920"/>
+            <a:ext cx="0" cy="440002"/>
+          </a:xfrm>
+          <a:prstGeom prst="line">
+            <a:avLst/>
+          </a:prstGeom>
+          <a:ln w="28575">
+            <a:solidFill>
+              <a:srgbClr val="C00000"/>
+            </a:solidFill>
+          </a:ln>
+        </p:spPr>
+        <p:style>
+          <a:lnRef idx="1">
+            <a:schemeClr val="accent1"/>
+          </a:lnRef>
+          <a:fillRef idx="0">
+            <a:schemeClr val="accent1"/>
+          </a:fillRef>
+          <a:effectRef idx="0">
+            <a:schemeClr val="accent1"/>
+          </a:effectRef>
+          <a:fontRef idx="minor">
+            <a:schemeClr val="tx1"/>
+          </a:fontRef>
+        </p:style>
+      </p:cxnSp>
+      <p:cxnSp>
+        <p:nvCxnSpPr>
+          <p:cNvPr id="23" name="직선 연결선 22">
+            <a:extLst>
+              <a:ext uri="{FF2B5EF4-FFF2-40B4-BE49-F238E27FC236}">
+                <a16:creationId xmlns:a16="http://schemas.microsoft.com/office/drawing/2014/main" id="{FEFF4F40-860D-170B-DB4B-DFAC38B9702C}"/>
+              </a:ext>
+            </a:extLst>
+          </p:cNvPr>
+          <p:cNvCxnSpPr>
+            <a:cxnSpLocks/>
+          </p:cNvCxnSpPr>
+          <p:nvPr/>
+        </p:nvCxnSpPr>
+        <p:spPr>
+          <a:xfrm>
+            <a:off x="1808793" y="3321705"/>
+            <a:ext cx="0" cy="246184"/>
+          </a:xfrm>
+          <a:prstGeom prst="line">
+            <a:avLst/>
+          </a:prstGeom>
+          <a:ln w="28575">
+            <a:solidFill>
+              <a:srgbClr val="C00000"/>
+            </a:solidFill>
+          </a:ln>
+        </p:spPr>
+        <p:style>
+          <a:lnRef idx="1">
+            <a:schemeClr val="accent1"/>
+          </a:lnRef>
+          <a:fillRef idx="0">
+            <a:schemeClr val="accent1"/>
+          </a:fillRef>
+          <a:effectRef idx="0">
+            <a:schemeClr val="accent1"/>
+          </a:effectRef>
+          <a:fontRef idx="minor">
+            <a:schemeClr val="tx1"/>
+          </a:fontRef>
+        </p:style>
+      </p:cxnSp>
+      <p:cxnSp>
+        <p:nvCxnSpPr>
+          <p:cNvPr id="26" name="직선 화살표 연결선 25">
+            <a:extLst>
+              <a:ext uri="{FF2B5EF4-FFF2-40B4-BE49-F238E27FC236}">
+                <a16:creationId xmlns:a16="http://schemas.microsoft.com/office/drawing/2014/main" id="{ACB0B3DF-0E94-EC4C-5C38-8E02F6DE8E53}"/>
+              </a:ext>
+            </a:extLst>
+          </p:cNvPr>
+          <p:cNvCxnSpPr>
+            <a:cxnSpLocks/>
+            <a:stCxn id="16" idx="3"/>
+            <a:endCxn id="17" idx="1"/>
+          </p:cNvCxnSpPr>
+          <p:nvPr/>
+        </p:nvCxnSpPr>
+        <p:spPr>
+          <a:xfrm flipV="1">
+            <a:off x="2306105" y="1205113"/>
+            <a:ext cx="820056" cy="893422"/>
+          </a:xfrm>
+          <a:prstGeom prst="straightConnector1">
+            <a:avLst/>
+          </a:prstGeom>
+          <a:noFill/>
+          <a:ln w="9525">
+            <a:solidFill>
+              <a:srgbClr val="C00000"/>
+            </a:solidFill>
+            <a:prstDash val="dash"/>
+            <a:headEnd type="none" w="med" len="med"/>
+            <a:tailEnd type="triangle" w="med" len="med"/>
+          </a:ln>
+        </p:spPr>
+        <p:style>
+          <a:lnRef idx="2">
+            <a:schemeClr val="accent1">
+              <a:shade val="15000"/>
+            </a:schemeClr>
+          </a:lnRef>
+          <a:fillRef idx="1">
+            <a:schemeClr val="accent1"/>
+          </a:fillRef>
+          <a:effectRef idx="0">
+            <a:schemeClr val="accent1"/>
+          </a:effectRef>
+          <a:fontRef idx="minor">
+            <a:schemeClr val="lt1"/>
+          </a:fontRef>
+        </p:style>
+      </p:cxnSp>
+      <p:cxnSp>
+        <p:nvCxnSpPr>
+          <p:cNvPr id="27" name="직선 화살표 연결선 26">
+            <a:extLst>
+              <a:ext uri="{FF2B5EF4-FFF2-40B4-BE49-F238E27FC236}">
+                <a16:creationId xmlns:a16="http://schemas.microsoft.com/office/drawing/2014/main" id="{06EB1885-4474-691D-BF21-1BA7871FAD9D}"/>
+              </a:ext>
+            </a:extLst>
+          </p:cNvPr>
+          <p:cNvCxnSpPr>
+            <a:cxnSpLocks/>
+            <a:stCxn id="15" idx="3"/>
+            <a:endCxn id="17" idx="1"/>
+          </p:cNvCxnSpPr>
+          <p:nvPr/>
+        </p:nvCxnSpPr>
+        <p:spPr>
+          <a:xfrm flipV="1">
+            <a:off x="2306105" y="1205113"/>
+            <a:ext cx="820056" cy="1964549"/>
+          </a:xfrm>
+          <a:prstGeom prst="straightConnector1">
+            <a:avLst/>
+          </a:prstGeom>
+          <a:noFill/>
+          <a:ln w="9525">
+            <a:solidFill>
+              <a:srgbClr val="C00000"/>
+            </a:solidFill>
+            <a:prstDash val="dash"/>
+            <a:headEnd type="none" w="med" len="med"/>
+            <a:tailEnd type="triangle" w="med" len="med"/>
+          </a:ln>
+        </p:spPr>
+        <p:style>
+          <a:lnRef idx="2">
+            <a:schemeClr val="accent1">
+              <a:shade val="15000"/>
+            </a:schemeClr>
+          </a:lnRef>
+          <a:fillRef idx="1">
+            <a:schemeClr val="accent1"/>
+          </a:fillRef>
+          <a:effectRef idx="0">
+            <a:schemeClr val="accent1"/>
+          </a:effectRef>
+          <a:fontRef idx="minor">
+            <a:schemeClr val="lt1"/>
+          </a:fontRef>
+        </p:style>
+      </p:cxnSp>
+      <p:sp>
+        <p:nvSpPr>
+          <p:cNvPr id="35" name="TextBox 34">
+            <a:extLst>
+              <a:ext uri="{FF2B5EF4-FFF2-40B4-BE49-F238E27FC236}">
+                <a16:creationId xmlns:a16="http://schemas.microsoft.com/office/drawing/2014/main" id="{8CDF8340-E979-B92A-A5AF-680505E2DC3B}"/>
+              </a:ext>
+            </a:extLst>
+          </p:cNvPr>
+          <p:cNvSpPr txBox="1"/>
+          <p:nvPr/>
+        </p:nvSpPr>
+        <p:spPr>
+          <a:xfrm>
+            <a:off x="3041874" y="2036745"/>
+            <a:ext cx="476412" cy="261610"/>
+          </a:xfrm>
+          <a:prstGeom prst="rect">
+            <a:avLst/>
+          </a:prstGeom>
+          <a:noFill/>
+        </p:spPr>
+        <p:txBody>
+          <a:bodyPr wrap="square" rtlCol="0">
+            <a:spAutoFit/>
+          </a:bodyPr>
+          <a:lstStyle/>
+          <a:p>
+            <a:pPr algn="r"/>
+            <a:r>
+              <a:rPr lang="en-GB" sz="1050" b="1">
+                <a:solidFill>
+                  <a:srgbClr val="C00000"/>
+                </a:solidFill>
+              </a:rPr>
+              <a:t>Gym</a:t>
+            </a:r>
+          </a:p>
+        </p:txBody>
+      </p:sp>
+      <p:sp>
+        <p:nvSpPr>
+          <p:cNvPr id="36" name="TextBox 35">
+            <a:extLst>
+              <a:ext uri="{FF2B5EF4-FFF2-40B4-BE49-F238E27FC236}">
+                <a16:creationId xmlns:a16="http://schemas.microsoft.com/office/drawing/2014/main" id="{5BC6560A-DE79-F818-188C-50778C4E4D93}"/>
+              </a:ext>
+            </a:extLst>
+          </p:cNvPr>
+          <p:cNvSpPr txBox="1"/>
+          <p:nvPr/>
+        </p:nvSpPr>
+        <p:spPr>
+          <a:xfrm>
+            <a:off x="2603769" y="2583460"/>
+            <a:ext cx="914517" cy="253916"/>
+          </a:xfrm>
+          <a:prstGeom prst="rect">
+            <a:avLst/>
+          </a:prstGeom>
+          <a:noFill/>
+        </p:spPr>
+        <p:txBody>
+          <a:bodyPr wrap="square" rtlCol="0">
+            <a:spAutoFit/>
+          </a:bodyPr>
+          <a:lstStyle/>
+          <a:p>
+            <a:pPr algn="r"/>
+            <a:r>
+              <a:rPr lang="en-GB" sz="1050" b="1">
+                <a:solidFill>
+                  <a:srgbClr val="C00000"/>
+                </a:solidFill>
+              </a:rPr>
+              <a:t>Participant</a:t>
+            </a:r>
+          </a:p>
+        </p:txBody>
+      </p:sp>
+      <p:sp>
+        <p:nvSpPr>
+          <p:cNvPr id="37" name="TextBox 36">
+            <a:extLst>
+              <a:ext uri="{FF2B5EF4-FFF2-40B4-BE49-F238E27FC236}">
+                <a16:creationId xmlns:a16="http://schemas.microsoft.com/office/drawing/2014/main" id="{72AA1F0B-2844-D8E8-29EF-246903D992A5}"/>
+              </a:ext>
+            </a:extLst>
+          </p:cNvPr>
+          <p:cNvSpPr txBox="1"/>
+          <p:nvPr/>
+        </p:nvSpPr>
+        <p:spPr>
+          <a:xfrm>
+            <a:off x="2954634" y="3093423"/>
+            <a:ext cx="563652" cy="253916"/>
+          </a:xfrm>
+          <a:prstGeom prst="rect">
+            <a:avLst/>
+          </a:prstGeom>
+          <a:noFill/>
+        </p:spPr>
+        <p:txBody>
+          <a:bodyPr wrap="square" rtlCol="0">
+            <a:spAutoFit/>
+          </a:bodyPr>
+          <a:lstStyle/>
+          <a:p>
+            <a:pPr algn="r"/>
+            <a:r>
+              <a:rPr lang="en-GB" sz="1050" b="1">
+                <a:solidFill>
+                  <a:srgbClr val="C00000"/>
+                </a:solidFill>
+              </a:rPr>
+              <a:t>Room</a:t>
+            </a:r>
+          </a:p>
+        </p:txBody>
+      </p:sp>
+      <p:sp>
+        <p:nvSpPr>
+          <p:cNvPr id="38" name="TextBox 37">
+            <a:extLst>
+              <a:ext uri="{FF2B5EF4-FFF2-40B4-BE49-F238E27FC236}">
+                <a16:creationId xmlns:a16="http://schemas.microsoft.com/office/drawing/2014/main" id="{2F17ED1F-A434-843C-13BF-60493A250C89}"/>
+              </a:ext>
+            </a:extLst>
+          </p:cNvPr>
+          <p:cNvSpPr txBox="1"/>
+          <p:nvPr/>
+        </p:nvSpPr>
+        <p:spPr>
+          <a:xfrm>
+            <a:off x="2853570" y="3698050"/>
+            <a:ext cx="664716" cy="253916"/>
+          </a:xfrm>
+          <a:prstGeom prst="rect">
+            <a:avLst/>
+          </a:prstGeom>
+          <a:noFill/>
+        </p:spPr>
+        <p:txBody>
+          <a:bodyPr wrap="square" rtlCol="0">
+            <a:spAutoFit/>
+          </a:bodyPr>
+          <a:lstStyle/>
+          <a:p>
+            <a:pPr algn="r"/>
+            <a:r>
+              <a:rPr lang="en-GB" sz="1050" b="1">
+                <a:solidFill>
+                  <a:srgbClr val="C00000"/>
+                </a:solidFill>
+              </a:rPr>
+              <a:t>Session</a:t>
+            </a:r>
+          </a:p>
+        </p:txBody>
+      </p:sp>
+      <p:sp>
+        <p:nvSpPr>
+          <p:cNvPr id="39" name="TextBox 38">
+            <a:extLst>
+              <a:ext uri="{FF2B5EF4-FFF2-40B4-BE49-F238E27FC236}">
+                <a16:creationId xmlns:a16="http://schemas.microsoft.com/office/drawing/2014/main" id="{D62BB643-2555-3299-4BFB-29CD96D5BF93}"/>
+              </a:ext>
+            </a:extLst>
+          </p:cNvPr>
+          <p:cNvSpPr txBox="1"/>
+          <p:nvPr/>
+        </p:nvSpPr>
+        <p:spPr>
+          <a:xfrm>
+            <a:off x="2501183" y="4589436"/>
+            <a:ext cx="1017103" cy="253916"/>
+          </a:xfrm>
+          <a:prstGeom prst="rect">
+            <a:avLst/>
+          </a:prstGeom>
+          <a:noFill/>
+        </p:spPr>
+        <p:txBody>
+          <a:bodyPr wrap="square" rtlCol="0">
+            <a:spAutoFit/>
+          </a:bodyPr>
+          <a:lstStyle/>
+          <a:p>
+            <a:pPr algn="r"/>
+            <a:r>
+              <a:rPr lang="en-GB" sz="1050" b="1">
+                <a:solidFill>
+                  <a:srgbClr val="C00000"/>
+                </a:solidFill>
+              </a:rPr>
+              <a:t>Subscription</a:t>
+            </a:r>
+          </a:p>
+        </p:txBody>
+      </p:sp>
+      <p:sp>
+        <p:nvSpPr>
+          <p:cNvPr id="40" name="TextBox 39">
+            <a:extLst>
+              <a:ext uri="{FF2B5EF4-FFF2-40B4-BE49-F238E27FC236}">
+                <a16:creationId xmlns:a16="http://schemas.microsoft.com/office/drawing/2014/main" id="{C2F428F1-F6AB-138D-E4E5-D41C4B5D2663}"/>
+              </a:ext>
+            </a:extLst>
+          </p:cNvPr>
+          <p:cNvSpPr txBox="1"/>
+          <p:nvPr/>
+        </p:nvSpPr>
+        <p:spPr>
+          <a:xfrm>
+            <a:off x="2838862" y="5357049"/>
+            <a:ext cx="679424" cy="253916"/>
+          </a:xfrm>
+          <a:prstGeom prst="rect">
+            <a:avLst/>
+          </a:prstGeom>
+          <a:noFill/>
+        </p:spPr>
+        <p:txBody>
+          <a:bodyPr wrap="square" rtlCol="0">
+            <a:spAutoFit/>
+          </a:bodyPr>
+          <a:lstStyle/>
+          <a:p>
+            <a:pPr algn="r"/>
+            <a:r>
+              <a:rPr lang="en-GB" sz="1050" b="1">
+                <a:solidFill>
+                  <a:srgbClr val="C00000"/>
+                </a:solidFill>
+              </a:rPr>
+              <a:t>Trainer</a:t>
+            </a:r>
+          </a:p>
+        </p:txBody>
+      </p:sp>
+      <p:sp>
+        <p:nvSpPr>
+          <p:cNvPr id="44" name="직사각형 43">
+            <a:extLst>
+              <a:ext uri="{FF2B5EF4-FFF2-40B4-BE49-F238E27FC236}">
+                <a16:creationId xmlns:a16="http://schemas.microsoft.com/office/drawing/2014/main" id="{359006E4-A175-8449-9C3E-AD16010ACFD7}"/>
+              </a:ext>
+            </a:extLst>
+          </p:cNvPr>
+          <p:cNvSpPr/>
+          <p:nvPr/>
+        </p:nvSpPr>
+        <p:spPr>
+          <a:xfrm>
+            <a:off x="2792998" y="5420670"/>
+            <a:ext cx="771152" cy="253916"/>
+          </a:xfrm>
+          <a:prstGeom prst="rect">
+            <a:avLst/>
+          </a:prstGeom>
+          <a:noFill/>
+          <a:ln>
+            <a:noFill/>
+          </a:ln>
+        </p:spPr>
+        <p:style>
+          <a:lnRef idx="2">
+            <a:schemeClr val="accent1">
+              <a:shade val="15000"/>
+            </a:schemeClr>
+          </a:lnRef>
+          <a:fillRef idx="1">
+            <a:schemeClr val="accent1"/>
+          </a:fillRef>
+          <a:effectRef idx="0">
+            <a:schemeClr val="accent1"/>
+          </a:effectRef>
+          <a:fontRef idx="minor">
+            <a:schemeClr val="lt1"/>
+          </a:fontRef>
+        </p:style>
+        <p:txBody>
+          <a:bodyPr rtlCol="0" anchor="ctr"/>
+          <a:lstStyle/>
+          <a:p>
+            <a:pPr algn="ctr"/>
+            <a:endParaRPr lang="en-GB"/>
+          </a:p>
+        </p:txBody>
+      </p:sp>
+      <p:sp>
+        <p:nvSpPr>
+          <p:cNvPr id="53" name="TextBox 52">
+            <a:extLst>
+              <a:ext uri="{FF2B5EF4-FFF2-40B4-BE49-F238E27FC236}">
+                <a16:creationId xmlns:a16="http://schemas.microsoft.com/office/drawing/2014/main" id="{37AFF9DF-E493-4AAA-877C-D116B1258144}"/>
+              </a:ext>
+            </a:extLst>
+          </p:cNvPr>
+          <p:cNvSpPr txBox="1"/>
+          <p:nvPr/>
+        </p:nvSpPr>
+        <p:spPr>
+          <a:xfrm>
+            <a:off x="4281593" y="812815"/>
+            <a:ext cx="1558440" cy="369332"/>
+          </a:xfrm>
+          <a:prstGeom prst="rect">
+            <a:avLst/>
+          </a:prstGeom>
+          <a:noFill/>
+        </p:spPr>
+        <p:txBody>
+          <a:bodyPr wrap="none" rtlCol="0">
+            <a:spAutoFit/>
+          </a:bodyPr>
+          <a:lstStyle/>
+          <a:p>
+            <a:r>
+              <a:rPr lang="en-GB" b="1">
+                <a:solidFill>
+                  <a:srgbClr val="C00000"/>
+                </a:solidFill>
+              </a:rPr>
+              <a:t>Abstractions</a:t>
+            </a:r>
+          </a:p>
+        </p:txBody>
+      </p:sp>
+      <p:sp>
+        <p:nvSpPr>
+          <p:cNvPr id="41" name="TextBox 40">
+            <a:extLst>
+              <a:ext uri="{FF2B5EF4-FFF2-40B4-BE49-F238E27FC236}">
+                <a16:creationId xmlns:a16="http://schemas.microsoft.com/office/drawing/2014/main" id="{A35DA9CF-B459-0556-AF3D-24DBFE2E1057}"/>
+              </a:ext>
+            </a:extLst>
+          </p:cNvPr>
+          <p:cNvSpPr txBox="1"/>
+          <p:nvPr/>
+        </p:nvSpPr>
+        <p:spPr>
+          <a:xfrm>
+            <a:off x="4281593" y="1784365"/>
+            <a:ext cx="1960345" cy="369332"/>
+          </a:xfrm>
+          <a:prstGeom prst="rect">
+            <a:avLst/>
+          </a:prstGeom>
+          <a:noFill/>
+        </p:spPr>
+        <p:txBody>
+          <a:bodyPr wrap="none" rtlCol="0">
+            <a:spAutoFit/>
+          </a:bodyPr>
+          <a:lstStyle/>
+          <a:p>
+            <a:r>
+              <a:rPr lang="en-GB" b="1">
+                <a:solidFill>
+                  <a:srgbClr val="C00000"/>
+                </a:solidFill>
+              </a:rPr>
+              <a:t>AggregateRoots</a:t>
+            </a:r>
+          </a:p>
+        </p:txBody>
+      </p:sp>
+    </p:spTree>
+    <p:extLst>
+      <p:ext uri="{BB962C8B-B14F-4D97-AF65-F5344CB8AC3E}">
+        <p14:creationId xmlns:p14="http://schemas.microsoft.com/office/powerpoint/2010/main" val="1881592581"/>
+      </p:ext>
+    </p:extLst>
+  </p:cSld>
+  <p:clrMapOvr>
+    <a:masterClrMapping/>
+  </p:clrMapOvr>
+</p:sld>
+</file>
+
+<file path=ppt/slides/slide3.xml><?xml version="1.0" encoding="utf-8"?>
 <p:sld xmlns:a="http://schemas.openxmlformats.org/drawingml/2006/main" xmlns:r="http://schemas.openxmlformats.org/officeDocument/2006/relationships" xmlns:p="http://schemas.openxmlformats.org/presentationml/2006/main">
   <p:cSld>
     <p:spTree>
@@ -4272,7 +5559,7 @@
             <p:cNvPr id="3" name="직사각형 2">
               <a:extLst>
                 <a:ext uri="{FF2B5EF4-FFF2-40B4-BE49-F238E27FC236}">
-                  <a16:creationId xmlns:a16="http://schemas.microsoft.com/office/drawing/2014/main" xmlns="" id="{765F1C10-826E-D67B-D033-A0A4E56C4DF4}"/>
+                  <a16:creationId xmlns:a16="http://schemas.microsoft.com/office/drawing/2014/main" id="{765F1C10-826E-D67B-D033-A0A4E56C4DF4}"/>
                 </a:ext>
               </a:extLst>
             </p:cNvPr>
@@ -6584,7 +7871,7 @@
             <p:cNvPr id="208" name="직사각형 207">
               <a:extLst>
                 <a:ext uri="{FF2B5EF4-FFF2-40B4-BE49-F238E27FC236}">
-                  <a16:creationId xmlns:a16="http://schemas.microsoft.com/office/drawing/2014/main" xmlns="" id="{C85E4C1E-170A-830C-AB71-2FE39E4CE0F7}"/>
+                  <a16:creationId xmlns:a16="http://schemas.microsoft.com/office/drawing/2014/main" id="{C85E4C1E-170A-830C-AB71-2FE39E4CE0F7}"/>
                 </a:ext>
               </a:extLst>
             </p:cNvPr>
@@ -6767,7 +8054,7 @@
             <p:cNvPr id="224" name="직사각형 223">
               <a:extLst>
                 <a:ext uri="{FF2B5EF4-FFF2-40B4-BE49-F238E27FC236}">
-                  <a16:creationId xmlns:a16="http://schemas.microsoft.com/office/drawing/2014/main" xmlns="" id="{7CD09966-B5C1-6685-DFF3-1F73C09587D9}"/>
+                  <a16:creationId xmlns:a16="http://schemas.microsoft.com/office/drawing/2014/main" id="{7CD09966-B5C1-6685-DFF3-1F73C09587D9}"/>
                 </a:ext>
               </a:extLst>
             </p:cNvPr>
@@ -6972,7 +8259,7 @@
             <p:cNvPr id="240" name="직사각형 239">
               <a:extLst>
                 <a:ext uri="{FF2B5EF4-FFF2-40B4-BE49-F238E27FC236}">
-                  <a16:creationId xmlns:a16="http://schemas.microsoft.com/office/drawing/2014/main" xmlns="" id="{A6DD402E-F073-4E41-CE4D-B1B06F7C1A97}"/>
+                  <a16:creationId xmlns:a16="http://schemas.microsoft.com/office/drawing/2014/main" id="{A6DD402E-F073-4E41-CE4D-B1B06F7C1A97}"/>
                 </a:ext>
               </a:extLst>
             </p:cNvPr>
@@ -7449,7 +8736,7 @@
             <p:cNvPr id="221" name="직사각형 220">
               <a:extLst>
                 <a:ext uri="{FF2B5EF4-FFF2-40B4-BE49-F238E27FC236}">
-                  <a16:creationId xmlns:a16="http://schemas.microsoft.com/office/drawing/2014/main" xmlns="" id="{3348934F-A19D-0CE3-D10C-939ED42C410D}"/>
+                  <a16:creationId xmlns:a16="http://schemas.microsoft.com/office/drawing/2014/main" id="{3348934F-A19D-0CE3-D10C-939ED42C410D}"/>
                 </a:ext>
               </a:extLst>
             </p:cNvPr>
@@ -8279,7 +9566,7 @@
 </p:sld>
 </file>
 
-<file path=ppt/slides/slide3.xml><?xml version="1.0" encoding="utf-8"?>
+<file path=ppt/slides/slide4.xml><?xml version="1.0" encoding="utf-8"?>
 <p:sld xmlns:a="http://schemas.openxmlformats.org/drawingml/2006/main" xmlns:r="http://schemas.openxmlformats.org/officeDocument/2006/relationships" xmlns:p="http://schemas.openxmlformats.org/presentationml/2006/main">
   <p:cSld>
     <p:spTree>
@@ -8301,7 +9588,7 @@
           <p:cNvPr id="3" name="직사각형 2">
             <a:extLst>
               <a:ext uri="{FF2B5EF4-FFF2-40B4-BE49-F238E27FC236}">
-                <a16:creationId xmlns:a16="http://schemas.microsoft.com/office/drawing/2014/main" xmlns="" id="{765F1C10-826E-D67B-D033-A0A4E56C4DF4}"/>
+                <a16:creationId xmlns:a16="http://schemas.microsoft.com/office/drawing/2014/main" id="{765F1C10-826E-D67B-D033-A0A4E56C4DF4}"/>
               </a:ext>
             </a:extLst>
           </p:cNvPr>
@@ -10252,7 +11539,7 @@
           <p:cNvPr id="208" name="직사각형 207">
             <a:extLst>
               <a:ext uri="{FF2B5EF4-FFF2-40B4-BE49-F238E27FC236}">
-                <a16:creationId xmlns:a16="http://schemas.microsoft.com/office/drawing/2014/main" xmlns="" id="{C85E4C1E-170A-830C-AB71-2FE39E4CE0F7}"/>
+                <a16:creationId xmlns:a16="http://schemas.microsoft.com/office/drawing/2014/main" id="{C85E4C1E-170A-830C-AB71-2FE39E4CE0F7}"/>
               </a:ext>
             </a:extLst>
           </p:cNvPr>
@@ -10435,7 +11722,7 @@
           <p:cNvPr id="224" name="직사각형 223">
             <a:extLst>
               <a:ext uri="{FF2B5EF4-FFF2-40B4-BE49-F238E27FC236}">
-                <a16:creationId xmlns:a16="http://schemas.microsoft.com/office/drawing/2014/main" xmlns="" id="{7CD09966-B5C1-6685-DFF3-1F73C09587D9}"/>
+                <a16:creationId xmlns:a16="http://schemas.microsoft.com/office/drawing/2014/main" id="{7CD09966-B5C1-6685-DFF3-1F73C09587D9}"/>
               </a:ext>
             </a:extLst>
           </p:cNvPr>
@@ -10672,7 +11959,7 @@
           <p:cNvPr id="240" name="직사각형 239">
             <a:extLst>
               <a:ext uri="{FF2B5EF4-FFF2-40B4-BE49-F238E27FC236}">
-                <a16:creationId xmlns:a16="http://schemas.microsoft.com/office/drawing/2014/main" xmlns="" id="{A6DD402E-F073-4E41-CE4D-B1B06F7C1A97}"/>
+                <a16:creationId xmlns:a16="http://schemas.microsoft.com/office/drawing/2014/main" id="{A6DD402E-F073-4E41-CE4D-B1B06F7C1A97}"/>
               </a:ext>
             </a:extLst>
           </p:cNvPr>
@@ -11149,7 +12436,7 @@
           <p:cNvPr id="221" name="직사각형 220">
             <a:extLst>
               <a:ext uri="{FF2B5EF4-FFF2-40B4-BE49-F238E27FC236}">
-                <a16:creationId xmlns:a16="http://schemas.microsoft.com/office/drawing/2014/main" xmlns="" id="{3348934F-A19D-0CE3-D10C-939ED42C410D}"/>
+                <a16:creationId xmlns:a16="http://schemas.microsoft.com/office/drawing/2014/main" id="{3348934F-A19D-0CE3-D10C-939ED42C410D}"/>
               </a:ext>
             </a:extLst>
           </p:cNvPr>
@@ -13019,7 +14306,7 @@
           <p:cNvPr id="2" name="그룹 1">
             <a:extLst>
               <a:ext uri="{FF2B5EF4-FFF2-40B4-BE49-F238E27FC236}">
-                <a16:creationId xmlns:a16="http://schemas.microsoft.com/office/drawing/2014/main" xmlns="" id="{3C8420F1-9EA7-9B12-4585-7148F2BBEBA8}"/>
+                <a16:creationId xmlns:a16="http://schemas.microsoft.com/office/drawing/2014/main" id="{3C8420F1-9EA7-9B12-4585-7148F2BBEBA8}"/>
               </a:ext>
             </a:extLst>
           </p:cNvPr>
@@ -14175,7 +15462,7 @@
 </p:sld>
 </file>
 
-<file path=ppt/slides/slide4.xml><?xml version="1.0" encoding="utf-8"?>
+<file path=ppt/slides/slide5.xml><?xml version="1.0" encoding="utf-8"?>
 <p:sld xmlns:a="http://schemas.openxmlformats.org/drawingml/2006/main" xmlns:r="http://schemas.openxmlformats.org/officeDocument/2006/relationships" xmlns:p="http://schemas.openxmlformats.org/presentationml/2006/main">
   <p:cSld>
     <p:spTree>
@@ -14197,7 +15484,7 @@
           <p:cNvPr id="3" name="직사각형 2">
             <a:extLst>
               <a:ext uri="{FF2B5EF4-FFF2-40B4-BE49-F238E27FC236}">
-                <a16:creationId xmlns:a16="http://schemas.microsoft.com/office/drawing/2014/main" xmlns="" id="{765F1C10-826E-D67B-D033-A0A4E56C4DF4}"/>
+                <a16:creationId xmlns:a16="http://schemas.microsoft.com/office/drawing/2014/main" id="{765F1C10-826E-D67B-D033-A0A4E56C4DF4}"/>
               </a:ext>
             </a:extLst>
           </p:cNvPr>
@@ -16235,7 +17522,7 @@
           <p:cNvPr id="21" name="직사각형 20">
             <a:extLst>
               <a:ext uri="{FF2B5EF4-FFF2-40B4-BE49-F238E27FC236}">
-                <a16:creationId xmlns:a16="http://schemas.microsoft.com/office/drawing/2014/main" xmlns="" id="{7CD09966-B5C1-6685-DFF3-1F73C09587D9}"/>
+                <a16:creationId xmlns:a16="http://schemas.microsoft.com/office/drawing/2014/main" id="{7CD09966-B5C1-6685-DFF3-1F73C09587D9}"/>
               </a:ext>
             </a:extLst>
           </p:cNvPr>
@@ -16272,7 +17559,7 @@
           <p:cNvPr id="25" name="직사각형 24">
             <a:extLst>
               <a:ext uri="{FF2B5EF4-FFF2-40B4-BE49-F238E27FC236}">
-                <a16:creationId xmlns:a16="http://schemas.microsoft.com/office/drawing/2014/main" xmlns="" id="{C85E4C1E-170A-830C-AB71-2FE39E4CE0F7}"/>
+                <a16:creationId xmlns:a16="http://schemas.microsoft.com/office/drawing/2014/main" id="{C85E4C1E-170A-830C-AB71-2FE39E4CE0F7}"/>
               </a:ext>
             </a:extLst>
           </p:cNvPr>
@@ -16310,7 +17597,7 @@
           <p:cNvPr id="27" name="직사각형 26">
             <a:extLst>
               <a:ext uri="{FF2B5EF4-FFF2-40B4-BE49-F238E27FC236}">
-                <a16:creationId xmlns:a16="http://schemas.microsoft.com/office/drawing/2014/main" xmlns="" id="{A6DD402E-F073-4E41-CE4D-B1B06F7C1A97}"/>
+                <a16:creationId xmlns:a16="http://schemas.microsoft.com/office/drawing/2014/main" id="{A6DD402E-F073-4E41-CE4D-B1B06F7C1A97}"/>
               </a:ext>
             </a:extLst>
           </p:cNvPr>
@@ -16348,7 +17635,7 @@
           <p:cNvPr id="29" name="직사각형 28">
             <a:extLst>
               <a:ext uri="{FF2B5EF4-FFF2-40B4-BE49-F238E27FC236}">
-                <a16:creationId xmlns:a16="http://schemas.microsoft.com/office/drawing/2014/main" xmlns="" id="{3348934F-A19D-0CE3-D10C-939ED42C410D}"/>
+                <a16:creationId xmlns:a16="http://schemas.microsoft.com/office/drawing/2014/main" id="{3348934F-A19D-0CE3-D10C-939ED42C410D}"/>
               </a:ext>
             </a:extLst>
           </p:cNvPr>
@@ -16659,7 +17946,7 @@
           <p:cNvPr id="2" name="TextBox 1">
             <a:extLst>
               <a:ext uri="{FF2B5EF4-FFF2-40B4-BE49-F238E27FC236}">
-                <a16:creationId xmlns:a16="http://schemas.microsoft.com/office/drawing/2014/main" xmlns="" id="{D58CD55F-696A-A211-7699-995E8CE2C799}"/>
+                <a16:creationId xmlns:a16="http://schemas.microsoft.com/office/drawing/2014/main" id="{D58CD55F-696A-A211-7699-995E8CE2C799}"/>
               </a:ext>
             </a:extLst>
           </p:cNvPr>
@@ -16714,7 +18001,7 @@
           <p:cNvPr id="4" name="TextBox 3">
             <a:extLst>
               <a:ext uri="{FF2B5EF4-FFF2-40B4-BE49-F238E27FC236}">
-                <a16:creationId xmlns:a16="http://schemas.microsoft.com/office/drawing/2014/main" xmlns="" id="{3C9414FF-7D36-2E19-62E2-67C2A4276065}"/>
+                <a16:creationId xmlns:a16="http://schemas.microsoft.com/office/drawing/2014/main" id="{3C9414FF-7D36-2E19-62E2-67C2A4276065}"/>
               </a:ext>
             </a:extLst>
           </p:cNvPr>
@@ -16769,7 +18056,7 @@
           <p:cNvPr id="5" name="직선 화살표 연결선 4">
             <a:extLst>
               <a:ext uri="{FF2B5EF4-FFF2-40B4-BE49-F238E27FC236}">
-                <a16:creationId xmlns:a16="http://schemas.microsoft.com/office/drawing/2014/main" xmlns="" id="{79746439-EF3B-F8E3-DE81-6F48384D6469}"/>
+                <a16:creationId xmlns:a16="http://schemas.microsoft.com/office/drawing/2014/main" id="{79746439-EF3B-F8E3-DE81-6F48384D6469}"/>
               </a:ext>
             </a:extLst>
           </p:cNvPr>
@@ -16900,7 +18187,7 @@
           <p:cNvPr id="6" name="직선 화살표 연결선 5">
             <a:extLst>
               <a:ext uri="{FF2B5EF4-FFF2-40B4-BE49-F238E27FC236}">
-                <a16:creationId xmlns:a16="http://schemas.microsoft.com/office/drawing/2014/main" xmlns="" id="{622EB58F-7412-1D6E-59B3-17AD3454222B}"/>
+                <a16:creationId xmlns:a16="http://schemas.microsoft.com/office/drawing/2014/main" id="{622EB58F-7412-1D6E-59B3-17AD3454222B}"/>
               </a:ext>
             </a:extLst>
           </p:cNvPr>
@@ -16949,7 +18236,7 @@
           <p:cNvPr id="22" name="직선 화살표 연결선 21">
             <a:extLst>
               <a:ext uri="{FF2B5EF4-FFF2-40B4-BE49-F238E27FC236}">
-                <a16:creationId xmlns:a16="http://schemas.microsoft.com/office/drawing/2014/main" xmlns="" id="{77B97F0A-A54D-9346-CF8F-0292850B40D5}"/>
+                <a16:creationId xmlns:a16="http://schemas.microsoft.com/office/drawing/2014/main" id="{77B97F0A-A54D-9346-CF8F-0292850B40D5}"/>
               </a:ext>
             </a:extLst>
           </p:cNvPr>
@@ -16997,7 +18284,7 @@
           <p:cNvPr id="40" name="직선 화살표 연결선 39">
             <a:extLst>
               <a:ext uri="{FF2B5EF4-FFF2-40B4-BE49-F238E27FC236}">
-                <a16:creationId xmlns:a16="http://schemas.microsoft.com/office/drawing/2014/main" xmlns="" id="{5FEE82A8-F198-326E-09CE-4E14A41A816E}"/>
+                <a16:creationId xmlns:a16="http://schemas.microsoft.com/office/drawing/2014/main" id="{5FEE82A8-F198-326E-09CE-4E14A41A816E}"/>
               </a:ext>
             </a:extLst>
           </p:cNvPr>
@@ -17045,7 +18332,7 @@
           <p:cNvPr id="74" name="직선 화살표 연결선 73">
             <a:extLst>
               <a:ext uri="{FF2B5EF4-FFF2-40B4-BE49-F238E27FC236}">
-                <a16:creationId xmlns:a16="http://schemas.microsoft.com/office/drawing/2014/main" xmlns="" id="{AC3F902F-A5AF-F9F8-9AE8-CF1F3B1CB53C}"/>
+                <a16:creationId xmlns:a16="http://schemas.microsoft.com/office/drawing/2014/main" id="{AC3F902F-A5AF-F9F8-9AE8-CF1F3B1CB53C}"/>
               </a:ext>
             </a:extLst>
           </p:cNvPr>
@@ -17149,7 +18436,7 @@
           <p:cNvPr id="77" name="직선 화살표 연결선 76">
             <a:extLst>
               <a:ext uri="{FF2B5EF4-FFF2-40B4-BE49-F238E27FC236}">
-                <a16:creationId xmlns:a16="http://schemas.microsoft.com/office/drawing/2014/main" xmlns="" id="{79746439-EF3B-F8E3-DE81-6F48384D6469}"/>
+                <a16:creationId xmlns:a16="http://schemas.microsoft.com/office/drawing/2014/main" id="{79746439-EF3B-F8E3-DE81-6F48384D6469}"/>
               </a:ext>
             </a:extLst>
           </p:cNvPr>
@@ -17206,7 +18493,7 @@
 </p:sld>
 </file>
 
-<file path=ppt/slides/slide5.xml><?xml version="1.0" encoding="utf-8"?>
+<file path=ppt/slides/slide6.xml><?xml version="1.0" encoding="utf-8"?>
 <p:sld xmlns:a="http://schemas.openxmlformats.org/drawingml/2006/main" xmlns:r="http://schemas.openxmlformats.org/officeDocument/2006/relationships" xmlns:p="http://schemas.openxmlformats.org/presentationml/2006/main">
   <p:cSld>
     <p:spTree>
@@ -17228,7 +18515,7 @@
           <p:cNvPr id="55" name="그룹 54">
             <a:extLst>
               <a:ext uri="{FF2B5EF4-FFF2-40B4-BE49-F238E27FC236}">
-                <a16:creationId xmlns:a16="http://schemas.microsoft.com/office/drawing/2014/main" xmlns="" id="{F7126D63-5FD8-E2AB-0501-D7D4A02E493C}"/>
+                <a16:creationId xmlns:a16="http://schemas.microsoft.com/office/drawing/2014/main" id="{F7126D63-5FD8-E2AB-0501-D7D4A02E493C}"/>
               </a:ext>
             </a:extLst>
           </p:cNvPr>
@@ -17248,7 +18535,7 @@
             <p:cNvPr id="5" name="그림 4">
               <a:extLst>
                 <a:ext uri="{FF2B5EF4-FFF2-40B4-BE49-F238E27FC236}">
-                  <a16:creationId xmlns:a16="http://schemas.microsoft.com/office/drawing/2014/main" xmlns="" id="{D74B06D9-F97D-F932-7E16-0E4607396765}"/>
+                  <a16:creationId xmlns:a16="http://schemas.microsoft.com/office/drawing/2014/main" id="{D74B06D9-F97D-F932-7E16-0E4607396765}"/>
                 </a:ext>
               </a:extLst>
             </p:cNvPr>
@@ -17278,7 +18565,7 @@
             <p:cNvPr id="7" name="그림 6">
               <a:extLst>
                 <a:ext uri="{FF2B5EF4-FFF2-40B4-BE49-F238E27FC236}">
-                  <a16:creationId xmlns:a16="http://schemas.microsoft.com/office/drawing/2014/main" xmlns="" id="{D2A7AB12-7F35-61A6-504A-F50EF9B95A81}"/>
+                  <a16:creationId xmlns:a16="http://schemas.microsoft.com/office/drawing/2014/main" id="{D2A7AB12-7F35-61A6-504A-F50EF9B95A81}"/>
                 </a:ext>
               </a:extLst>
             </p:cNvPr>
@@ -17308,7 +18595,7 @@
             <p:cNvPr id="8" name="그림 7">
               <a:extLst>
                 <a:ext uri="{FF2B5EF4-FFF2-40B4-BE49-F238E27FC236}">
-                  <a16:creationId xmlns:a16="http://schemas.microsoft.com/office/drawing/2014/main" xmlns="" id="{D95B96F7-5DE9-CCE7-29CD-A15F2AF14744}"/>
+                  <a16:creationId xmlns:a16="http://schemas.microsoft.com/office/drawing/2014/main" id="{D95B96F7-5DE9-CCE7-29CD-A15F2AF14744}"/>
                 </a:ext>
               </a:extLst>
             </p:cNvPr>
@@ -17338,7 +18625,7 @@
             <p:cNvPr id="15" name="직사각형 14">
               <a:extLst>
                 <a:ext uri="{FF2B5EF4-FFF2-40B4-BE49-F238E27FC236}">
-                  <a16:creationId xmlns:a16="http://schemas.microsoft.com/office/drawing/2014/main" xmlns="" id="{44A00350-2EED-1207-B975-A1B249C9C2CE}"/>
+                  <a16:creationId xmlns:a16="http://schemas.microsoft.com/office/drawing/2014/main" id="{44A00350-2EED-1207-B975-A1B249C9C2CE}"/>
                 </a:ext>
               </a:extLst>
             </p:cNvPr>
@@ -17391,7 +18678,7 @@
             <p:cNvPr id="16" name="직사각형 15">
               <a:extLst>
                 <a:ext uri="{FF2B5EF4-FFF2-40B4-BE49-F238E27FC236}">
-                  <a16:creationId xmlns:a16="http://schemas.microsoft.com/office/drawing/2014/main" xmlns="" id="{0D27BA77-0988-DFA7-2B8B-4CA6CD9258DE}"/>
+                  <a16:creationId xmlns:a16="http://schemas.microsoft.com/office/drawing/2014/main" id="{0D27BA77-0988-DFA7-2B8B-4CA6CD9258DE}"/>
                 </a:ext>
               </a:extLst>
             </p:cNvPr>
@@ -17444,7 +18731,7 @@
             <p:cNvPr id="17" name="직사각형 16">
               <a:extLst>
                 <a:ext uri="{FF2B5EF4-FFF2-40B4-BE49-F238E27FC236}">
-                  <a16:creationId xmlns:a16="http://schemas.microsoft.com/office/drawing/2014/main" xmlns="" id="{47E35CB8-DB93-0F6A-3BFF-29C6417B32FB}"/>
+                  <a16:creationId xmlns:a16="http://schemas.microsoft.com/office/drawing/2014/main" id="{47E35CB8-DB93-0F6A-3BFF-29C6417B32FB}"/>
                 </a:ext>
               </a:extLst>
             </p:cNvPr>
@@ -17497,7 +18784,7 @@
             <p:cNvPr id="18" name="직선 연결선 17">
               <a:extLst>
                 <a:ext uri="{FF2B5EF4-FFF2-40B4-BE49-F238E27FC236}">
-                  <a16:creationId xmlns:a16="http://schemas.microsoft.com/office/drawing/2014/main" xmlns="" id="{DF0B02D2-5A7A-F6A2-C0AC-5A07E3886225}"/>
+                  <a16:creationId xmlns:a16="http://schemas.microsoft.com/office/drawing/2014/main" id="{DF0B02D2-5A7A-F6A2-C0AC-5A07E3886225}"/>
                 </a:ext>
               </a:extLst>
             </p:cNvPr>
@@ -17540,7 +18827,7 @@
             <p:cNvPr id="19" name="직선 연결선 18">
               <a:extLst>
                 <a:ext uri="{FF2B5EF4-FFF2-40B4-BE49-F238E27FC236}">
-                  <a16:creationId xmlns:a16="http://schemas.microsoft.com/office/drawing/2014/main" xmlns="" id="{8A292E93-B87A-394D-8A2D-88BB0751ACE5}"/>
+                  <a16:creationId xmlns:a16="http://schemas.microsoft.com/office/drawing/2014/main" id="{8A292E93-B87A-394D-8A2D-88BB0751ACE5}"/>
                 </a:ext>
               </a:extLst>
             </p:cNvPr>
@@ -17583,7 +18870,7 @@
             <p:cNvPr id="20" name="직선 연결선 19">
               <a:extLst>
                 <a:ext uri="{FF2B5EF4-FFF2-40B4-BE49-F238E27FC236}">
-                  <a16:creationId xmlns:a16="http://schemas.microsoft.com/office/drawing/2014/main" xmlns="" id="{F742C95F-18A5-7283-63BC-679B0AEE841E}"/>
+                  <a16:creationId xmlns:a16="http://schemas.microsoft.com/office/drawing/2014/main" id="{F742C95F-18A5-7283-63BC-679B0AEE841E}"/>
                 </a:ext>
               </a:extLst>
             </p:cNvPr>
@@ -17626,7 +18913,7 @@
             <p:cNvPr id="21" name="직선 연결선 20">
               <a:extLst>
                 <a:ext uri="{FF2B5EF4-FFF2-40B4-BE49-F238E27FC236}">
-                  <a16:creationId xmlns:a16="http://schemas.microsoft.com/office/drawing/2014/main" xmlns="" id="{A6ECB332-533F-48E5-6326-D3E9320AB113}"/>
+                  <a16:creationId xmlns:a16="http://schemas.microsoft.com/office/drawing/2014/main" id="{A6ECB332-533F-48E5-6326-D3E9320AB113}"/>
                 </a:ext>
               </a:extLst>
             </p:cNvPr>
@@ -17669,7 +18956,7 @@
             <p:cNvPr id="22" name="직선 연결선 21">
               <a:extLst>
                 <a:ext uri="{FF2B5EF4-FFF2-40B4-BE49-F238E27FC236}">
-                  <a16:creationId xmlns:a16="http://schemas.microsoft.com/office/drawing/2014/main" xmlns="" id="{1B998782-92A1-07A0-6EE9-D793B1868EA4}"/>
+                  <a16:creationId xmlns:a16="http://schemas.microsoft.com/office/drawing/2014/main" id="{1B998782-92A1-07A0-6EE9-D793B1868EA4}"/>
                 </a:ext>
               </a:extLst>
             </p:cNvPr>
@@ -17712,7 +18999,7 @@
             <p:cNvPr id="23" name="직선 연결선 22">
               <a:extLst>
                 <a:ext uri="{FF2B5EF4-FFF2-40B4-BE49-F238E27FC236}">
-                  <a16:creationId xmlns:a16="http://schemas.microsoft.com/office/drawing/2014/main" xmlns="" id="{BDA37005-DB76-E005-7BB3-1DE19155A8C3}"/>
+                  <a16:creationId xmlns:a16="http://schemas.microsoft.com/office/drawing/2014/main" id="{BDA37005-DB76-E005-7BB3-1DE19155A8C3}"/>
                 </a:ext>
               </a:extLst>
             </p:cNvPr>
@@ -17755,7 +19042,7 @@
             <p:cNvPr id="26" name="직선 화살표 연결선 25">
               <a:extLst>
                 <a:ext uri="{FF2B5EF4-FFF2-40B4-BE49-F238E27FC236}">
-                  <a16:creationId xmlns:a16="http://schemas.microsoft.com/office/drawing/2014/main" xmlns="" id="{DF33ABDE-CBC2-07A2-183E-C976053162D1}"/>
+                  <a16:creationId xmlns:a16="http://schemas.microsoft.com/office/drawing/2014/main" id="{DF33ABDE-CBC2-07A2-183E-C976053162D1}"/>
                 </a:ext>
               </a:extLst>
             </p:cNvPr>
@@ -17806,7 +19093,7 @@
             <p:cNvPr id="27" name="직선 화살표 연결선 26">
               <a:extLst>
                 <a:ext uri="{FF2B5EF4-FFF2-40B4-BE49-F238E27FC236}">
-                  <a16:creationId xmlns:a16="http://schemas.microsoft.com/office/drawing/2014/main" xmlns="" id="{B5C1BC1E-1E17-61A4-3A8E-44E3A1540BF4}"/>
+                  <a16:creationId xmlns:a16="http://schemas.microsoft.com/office/drawing/2014/main" id="{B5C1BC1E-1E17-61A4-3A8E-44E3A1540BF4}"/>
                 </a:ext>
               </a:extLst>
             </p:cNvPr>
@@ -17857,7 +19144,7 @@
             <p:cNvPr id="30" name="직사각형 29">
               <a:extLst>
                 <a:ext uri="{FF2B5EF4-FFF2-40B4-BE49-F238E27FC236}">
-                  <a16:creationId xmlns:a16="http://schemas.microsoft.com/office/drawing/2014/main" xmlns="" id="{55ED66F5-1478-EFE2-D13E-60C1DCAADACC}"/>
+                  <a16:creationId xmlns:a16="http://schemas.microsoft.com/office/drawing/2014/main" id="{55ED66F5-1478-EFE2-D13E-60C1DCAADACC}"/>
                 </a:ext>
               </a:extLst>
             </p:cNvPr>
@@ -17910,7 +19197,7 @@
             <p:cNvPr id="31" name="직선 연결선 30">
               <a:extLst>
                 <a:ext uri="{FF2B5EF4-FFF2-40B4-BE49-F238E27FC236}">
-                  <a16:creationId xmlns:a16="http://schemas.microsoft.com/office/drawing/2014/main" xmlns="" id="{F3BE8123-4994-926A-BEBD-D4FCEE053DF5}"/>
+                  <a16:creationId xmlns:a16="http://schemas.microsoft.com/office/drawing/2014/main" id="{F3BE8123-4994-926A-BEBD-D4FCEE053DF5}"/>
                 </a:ext>
               </a:extLst>
             </p:cNvPr>
@@ -17953,7 +19240,7 @@
             <p:cNvPr id="34" name="그림 33">
               <a:extLst>
                 <a:ext uri="{FF2B5EF4-FFF2-40B4-BE49-F238E27FC236}">
-                  <a16:creationId xmlns:a16="http://schemas.microsoft.com/office/drawing/2014/main" xmlns="" id="{76BFD087-1464-697E-3C36-8578E74FE30C}"/>
+                  <a16:creationId xmlns:a16="http://schemas.microsoft.com/office/drawing/2014/main" id="{76BFD087-1464-697E-3C36-8578E74FE30C}"/>
                 </a:ext>
               </a:extLst>
             </p:cNvPr>
@@ -17988,7 +19275,7 @@
             <p:cNvPr id="35" name="TextBox 34">
               <a:extLst>
                 <a:ext uri="{FF2B5EF4-FFF2-40B4-BE49-F238E27FC236}">
-                  <a16:creationId xmlns:a16="http://schemas.microsoft.com/office/drawing/2014/main" xmlns="" id="{D8830B79-09BC-8CDB-9727-E5943BB6FE89}"/>
+                  <a16:creationId xmlns:a16="http://schemas.microsoft.com/office/drawing/2014/main" id="{D8830B79-09BC-8CDB-9727-E5943BB6FE89}"/>
                 </a:ext>
               </a:extLst>
             </p:cNvPr>
@@ -18028,7 +19315,7 @@
             <p:cNvPr id="36" name="TextBox 35">
               <a:extLst>
                 <a:ext uri="{FF2B5EF4-FFF2-40B4-BE49-F238E27FC236}">
-                  <a16:creationId xmlns:a16="http://schemas.microsoft.com/office/drawing/2014/main" xmlns="" id="{7498B629-74C3-E041-3949-937534EA26C5}"/>
+                  <a16:creationId xmlns:a16="http://schemas.microsoft.com/office/drawing/2014/main" id="{7498B629-74C3-E041-3949-937534EA26C5}"/>
                 </a:ext>
               </a:extLst>
             </p:cNvPr>
@@ -18068,7 +19355,7 @@
             <p:cNvPr id="37" name="TextBox 36">
               <a:extLst>
                 <a:ext uri="{FF2B5EF4-FFF2-40B4-BE49-F238E27FC236}">
-                  <a16:creationId xmlns:a16="http://schemas.microsoft.com/office/drawing/2014/main" xmlns="" id="{9FDE914C-5FA3-AFA6-259A-04E5A8F34950}"/>
+                  <a16:creationId xmlns:a16="http://schemas.microsoft.com/office/drawing/2014/main" id="{9FDE914C-5FA3-AFA6-259A-04E5A8F34950}"/>
                 </a:ext>
               </a:extLst>
             </p:cNvPr>
@@ -18108,7 +19395,7 @@
             <p:cNvPr id="38" name="TextBox 37">
               <a:extLst>
                 <a:ext uri="{FF2B5EF4-FFF2-40B4-BE49-F238E27FC236}">
-                  <a16:creationId xmlns:a16="http://schemas.microsoft.com/office/drawing/2014/main" xmlns="" id="{113F581A-0233-2534-6D93-86E29AEDE4CC}"/>
+                  <a16:creationId xmlns:a16="http://schemas.microsoft.com/office/drawing/2014/main" id="{113F581A-0233-2534-6D93-86E29AEDE4CC}"/>
                 </a:ext>
               </a:extLst>
             </p:cNvPr>
@@ -18148,7 +19435,7 @@
             <p:cNvPr id="39" name="TextBox 38">
               <a:extLst>
                 <a:ext uri="{FF2B5EF4-FFF2-40B4-BE49-F238E27FC236}">
-                  <a16:creationId xmlns:a16="http://schemas.microsoft.com/office/drawing/2014/main" xmlns="" id="{F25C8F7E-30D4-B9FE-AEB9-A77ADB4D298F}"/>
+                  <a16:creationId xmlns:a16="http://schemas.microsoft.com/office/drawing/2014/main" id="{F25C8F7E-30D4-B9FE-AEB9-A77ADB4D298F}"/>
                 </a:ext>
               </a:extLst>
             </p:cNvPr>
@@ -18188,7 +19475,7 @@
             <p:cNvPr id="40" name="TextBox 39">
               <a:extLst>
                 <a:ext uri="{FF2B5EF4-FFF2-40B4-BE49-F238E27FC236}">
-                  <a16:creationId xmlns:a16="http://schemas.microsoft.com/office/drawing/2014/main" xmlns="" id="{4B4EE0E5-4F34-6D6E-9AFA-A99ACF0C4844}"/>
+                  <a16:creationId xmlns:a16="http://schemas.microsoft.com/office/drawing/2014/main" id="{4B4EE0E5-4F34-6D6E-9AFA-A99ACF0C4844}"/>
                 </a:ext>
               </a:extLst>
             </p:cNvPr>
@@ -18228,7 +19515,7 @@
             <p:cNvPr id="42" name="연결선: 꺾임 41">
               <a:extLst>
                 <a:ext uri="{FF2B5EF4-FFF2-40B4-BE49-F238E27FC236}">
-                  <a16:creationId xmlns:a16="http://schemas.microsoft.com/office/drawing/2014/main" xmlns="" id="{74F507FB-9E49-E4EE-ED10-DCDC4C41B089}"/>
+                  <a16:creationId xmlns:a16="http://schemas.microsoft.com/office/drawing/2014/main" id="{74F507FB-9E49-E4EE-ED10-DCDC4C41B089}"/>
                 </a:ext>
               </a:extLst>
             </p:cNvPr>
@@ -18274,7 +19561,7 @@
             <p:cNvPr id="44" name="직사각형 43">
               <a:extLst>
                 <a:ext uri="{FF2B5EF4-FFF2-40B4-BE49-F238E27FC236}">
-                  <a16:creationId xmlns:a16="http://schemas.microsoft.com/office/drawing/2014/main" xmlns="" id="{C0FDBE82-B2E2-7FD9-EC54-A0E99099BEA6}"/>
+                  <a16:creationId xmlns:a16="http://schemas.microsoft.com/office/drawing/2014/main" id="{C0FDBE82-B2E2-7FD9-EC54-A0E99099BEA6}"/>
                 </a:ext>
               </a:extLst>
             </p:cNvPr>
@@ -18324,7 +19611,7 @@
             <p:cNvPr id="49" name="직사각형 48">
               <a:extLst>
                 <a:ext uri="{FF2B5EF4-FFF2-40B4-BE49-F238E27FC236}">
-                  <a16:creationId xmlns:a16="http://schemas.microsoft.com/office/drawing/2014/main" xmlns="" id="{F07CCA64-B34C-9731-7082-801539A20B90}"/>
+                  <a16:creationId xmlns:a16="http://schemas.microsoft.com/office/drawing/2014/main" id="{F07CCA64-B34C-9731-7082-801539A20B90}"/>
                 </a:ext>
               </a:extLst>
             </p:cNvPr>
@@ -18374,7 +19661,7 @@
             <p:cNvPr id="53" name="TextBox 52">
               <a:extLst>
                 <a:ext uri="{FF2B5EF4-FFF2-40B4-BE49-F238E27FC236}">
-                  <a16:creationId xmlns:a16="http://schemas.microsoft.com/office/drawing/2014/main" xmlns="" id="{90CE65EC-1C12-738C-BF13-925A288D2CDE}"/>
+                  <a16:creationId xmlns:a16="http://schemas.microsoft.com/office/drawing/2014/main" id="{90CE65EC-1C12-738C-BF13-925A288D2CDE}"/>
                 </a:ext>
               </a:extLst>
             </p:cNvPr>
@@ -18413,7 +19700,7 @@
             <p:cNvPr id="54" name="TextBox 53">
               <a:extLst>
                 <a:ext uri="{FF2B5EF4-FFF2-40B4-BE49-F238E27FC236}">
-                  <a16:creationId xmlns:a16="http://schemas.microsoft.com/office/drawing/2014/main" xmlns="" id="{968600CA-6562-FDDF-0699-E17F13B97103}"/>
+                  <a16:creationId xmlns:a16="http://schemas.microsoft.com/office/drawing/2014/main" id="{968600CA-6562-FDDF-0699-E17F13B97103}"/>
                 </a:ext>
               </a:extLst>
             </p:cNvPr>
@@ -18461,7 +19748,7 @@
 </p:sld>
 </file>
 
-<file path=ppt/slides/slide6.xml><?xml version="1.0" encoding="utf-8"?>
+<file path=ppt/slides/slide7.xml><?xml version="1.0" encoding="utf-8"?>
 <p:sld xmlns:a="http://schemas.openxmlformats.org/drawingml/2006/main" xmlns:r="http://schemas.openxmlformats.org/officeDocument/2006/relationships" xmlns:p="http://schemas.openxmlformats.org/presentationml/2006/main">
   <p:cSld>
     <p:spTree>
@@ -18483,7 +19770,7 @@
           <p:cNvPr id="3" name="직사각형 2">
             <a:extLst>
               <a:ext uri="{FF2B5EF4-FFF2-40B4-BE49-F238E27FC236}">
-                <a16:creationId xmlns:a16="http://schemas.microsoft.com/office/drawing/2014/main" xmlns="" id="{765F1C10-826E-D67B-D033-A0A4E56C4DF4}"/>
+                <a16:creationId xmlns:a16="http://schemas.microsoft.com/office/drawing/2014/main" id="{765F1C10-826E-D67B-D033-A0A4E56C4DF4}"/>
               </a:ext>
             </a:extLst>
           </p:cNvPr>
@@ -20521,7 +21808,7 @@
           <p:cNvPr id="21" name="직사각형 20">
             <a:extLst>
               <a:ext uri="{FF2B5EF4-FFF2-40B4-BE49-F238E27FC236}">
-                <a16:creationId xmlns:a16="http://schemas.microsoft.com/office/drawing/2014/main" xmlns="" id="{7CD09966-B5C1-6685-DFF3-1F73C09587D9}"/>
+                <a16:creationId xmlns:a16="http://schemas.microsoft.com/office/drawing/2014/main" id="{7CD09966-B5C1-6685-DFF3-1F73C09587D9}"/>
               </a:ext>
             </a:extLst>
           </p:cNvPr>
@@ -20558,7 +21845,7 @@
           <p:cNvPr id="25" name="직사각형 24">
             <a:extLst>
               <a:ext uri="{FF2B5EF4-FFF2-40B4-BE49-F238E27FC236}">
-                <a16:creationId xmlns:a16="http://schemas.microsoft.com/office/drawing/2014/main" xmlns="" id="{C85E4C1E-170A-830C-AB71-2FE39E4CE0F7}"/>
+                <a16:creationId xmlns:a16="http://schemas.microsoft.com/office/drawing/2014/main" id="{C85E4C1E-170A-830C-AB71-2FE39E4CE0F7}"/>
               </a:ext>
             </a:extLst>
           </p:cNvPr>
@@ -20596,7 +21883,7 @@
           <p:cNvPr id="27" name="직사각형 26">
             <a:extLst>
               <a:ext uri="{FF2B5EF4-FFF2-40B4-BE49-F238E27FC236}">
-                <a16:creationId xmlns:a16="http://schemas.microsoft.com/office/drawing/2014/main" xmlns="" id="{A6DD402E-F073-4E41-CE4D-B1B06F7C1A97}"/>
+                <a16:creationId xmlns:a16="http://schemas.microsoft.com/office/drawing/2014/main" id="{A6DD402E-F073-4E41-CE4D-B1B06F7C1A97}"/>
               </a:ext>
             </a:extLst>
           </p:cNvPr>
@@ -20634,7 +21921,7 @@
           <p:cNvPr id="29" name="직사각형 28">
             <a:extLst>
               <a:ext uri="{FF2B5EF4-FFF2-40B4-BE49-F238E27FC236}">
-                <a16:creationId xmlns:a16="http://schemas.microsoft.com/office/drawing/2014/main" xmlns="" id="{3348934F-A19D-0CE3-D10C-939ED42C410D}"/>
+                <a16:creationId xmlns:a16="http://schemas.microsoft.com/office/drawing/2014/main" id="{3348934F-A19D-0CE3-D10C-939ED42C410D}"/>
               </a:ext>
             </a:extLst>
           </p:cNvPr>
@@ -20945,7 +22232,7 @@
           <p:cNvPr id="2" name="TextBox 1">
             <a:extLst>
               <a:ext uri="{FF2B5EF4-FFF2-40B4-BE49-F238E27FC236}">
-                <a16:creationId xmlns:a16="http://schemas.microsoft.com/office/drawing/2014/main" xmlns="" id="{D58CD55F-696A-A211-7699-995E8CE2C799}"/>
+                <a16:creationId xmlns:a16="http://schemas.microsoft.com/office/drawing/2014/main" id="{D58CD55F-696A-A211-7699-995E8CE2C799}"/>
               </a:ext>
             </a:extLst>
           </p:cNvPr>
@@ -21000,7 +22287,7 @@
           <p:cNvPr id="5" name="직선 화살표 연결선 4">
             <a:extLst>
               <a:ext uri="{FF2B5EF4-FFF2-40B4-BE49-F238E27FC236}">
-                <a16:creationId xmlns:a16="http://schemas.microsoft.com/office/drawing/2014/main" xmlns="" id="{79746439-EF3B-F8E3-DE81-6F48384D6469}"/>
+                <a16:creationId xmlns:a16="http://schemas.microsoft.com/office/drawing/2014/main" id="{79746439-EF3B-F8E3-DE81-6F48384D6469}"/>
               </a:ext>
             </a:extLst>
           </p:cNvPr>
@@ -21131,7 +22418,7 @@
           <p:cNvPr id="6" name="직선 화살표 연결선 5">
             <a:extLst>
               <a:ext uri="{FF2B5EF4-FFF2-40B4-BE49-F238E27FC236}">
-                <a16:creationId xmlns:a16="http://schemas.microsoft.com/office/drawing/2014/main" xmlns="" id="{622EB58F-7412-1D6E-59B3-17AD3454222B}"/>
+                <a16:creationId xmlns:a16="http://schemas.microsoft.com/office/drawing/2014/main" id="{622EB58F-7412-1D6E-59B3-17AD3454222B}"/>
               </a:ext>
             </a:extLst>
           </p:cNvPr>
@@ -21180,7 +22467,7 @@
           <p:cNvPr id="22" name="직선 화살표 연결선 21">
             <a:extLst>
               <a:ext uri="{FF2B5EF4-FFF2-40B4-BE49-F238E27FC236}">
-                <a16:creationId xmlns:a16="http://schemas.microsoft.com/office/drawing/2014/main" xmlns="" id="{77B97F0A-A54D-9346-CF8F-0292850B40D5}"/>
+                <a16:creationId xmlns:a16="http://schemas.microsoft.com/office/drawing/2014/main" id="{77B97F0A-A54D-9346-CF8F-0292850B40D5}"/>
               </a:ext>
             </a:extLst>
           </p:cNvPr>
@@ -21228,7 +22515,7 @@
           <p:cNvPr id="40" name="직선 화살표 연결선 39">
             <a:extLst>
               <a:ext uri="{FF2B5EF4-FFF2-40B4-BE49-F238E27FC236}">
-                <a16:creationId xmlns:a16="http://schemas.microsoft.com/office/drawing/2014/main" xmlns="" id="{5FEE82A8-F198-326E-09CE-4E14A41A816E}"/>
+                <a16:creationId xmlns:a16="http://schemas.microsoft.com/office/drawing/2014/main" id="{5FEE82A8-F198-326E-09CE-4E14A41A816E}"/>
               </a:ext>
             </a:extLst>
           </p:cNvPr>
@@ -21276,7 +22563,7 @@
           <p:cNvPr id="74" name="직선 화살표 연결선 73">
             <a:extLst>
               <a:ext uri="{FF2B5EF4-FFF2-40B4-BE49-F238E27FC236}">
-                <a16:creationId xmlns:a16="http://schemas.microsoft.com/office/drawing/2014/main" xmlns="" id="{AC3F902F-A5AF-F9F8-9AE8-CF1F3B1CB53C}"/>
+                <a16:creationId xmlns:a16="http://schemas.microsoft.com/office/drawing/2014/main" id="{AC3F902F-A5AF-F9F8-9AE8-CF1F3B1CB53C}"/>
               </a:ext>
             </a:extLst>
           </p:cNvPr>
@@ -21360,7 +22647,7 @@
           <p:cNvPr id="76" name="TextBox 75">
             <a:extLst>
               <a:ext uri="{FF2B5EF4-FFF2-40B4-BE49-F238E27FC236}">
-                <a16:creationId xmlns:a16="http://schemas.microsoft.com/office/drawing/2014/main" xmlns="" id="{3C9414FF-7D36-2E19-62E2-67C2A4276065}"/>
+                <a16:creationId xmlns:a16="http://schemas.microsoft.com/office/drawing/2014/main" id="{3C9414FF-7D36-2E19-62E2-67C2A4276065}"/>
               </a:ext>
             </a:extLst>
           </p:cNvPr>
@@ -21471,7 +22758,7 @@
           <p:cNvPr id="81" name="직선 화살표 연결선 80">
             <a:extLst>
               <a:ext uri="{FF2B5EF4-FFF2-40B4-BE49-F238E27FC236}">
-                <a16:creationId xmlns:a16="http://schemas.microsoft.com/office/drawing/2014/main" xmlns="" id="{79746439-EF3B-F8E3-DE81-6F48384D6469}"/>
+                <a16:creationId xmlns:a16="http://schemas.microsoft.com/office/drawing/2014/main" id="{79746439-EF3B-F8E3-DE81-6F48384D6469}"/>
               </a:ext>
             </a:extLst>
           </p:cNvPr>
@@ -21706,7 +22993,7 @@
           <p:cNvPr id="84" name="직선 화살표 연결선 83">
             <a:extLst>
               <a:ext uri="{FF2B5EF4-FFF2-40B4-BE49-F238E27FC236}">
-                <a16:creationId xmlns:a16="http://schemas.microsoft.com/office/drawing/2014/main" xmlns="" id="{5FEE82A8-F198-326E-09CE-4E14A41A816E}"/>
+                <a16:creationId xmlns:a16="http://schemas.microsoft.com/office/drawing/2014/main" id="{5FEE82A8-F198-326E-09CE-4E14A41A816E}"/>
               </a:ext>
             </a:extLst>
           </p:cNvPr>
@@ -21752,7 +23039,7 @@
           <p:cNvPr id="85" name="직선 화살표 연결선 84">
             <a:extLst>
               <a:ext uri="{FF2B5EF4-FFF2-40B4-BE49-F238E27FC236}">
-                <a16:creationId xmlns:a16="http://schemas.microsoft.com/office/drawing/2014/main" xmlns="" id="{5FEE82A8-F198-326E-09CE-4E14A41A816E}"/>
+                <a16:creationId xmlns:a16="http://schemas.microsoft.com/office/drawing/2014/main" id="{5FEE82A8-F198-326E-09CE-4E14A41A816E}"/>
               </a:ext>
             </a:extLst>
           </p:cNvPr>
